--- a/models_comp_comm/documents/The Process.pptx
+++ b/models_comp_comm/documents/The Process.pptx
@@ -18454,6 +18454,285 @@
 </file>
 
 <file path=ppt/theme/theme1.xml><?xml version="1.0" encoding="utf-8"?>
+<a:theme xmlns:a="http://schemas.openxmlformats.org/drawingml/2006/main" xmlns:r="http://schemas.openxmlformats.org/officeDocument/2006/relationships">
+  <a:themeElements>
+    <a:clrScheme name="Default">
+      <a:dk1>
+        <a:srgbClr val="000000"/>
+      </a:dk1>
+      <a:lt1>
+        <a:srgbClr val="FFFFFF"/>
+      </a:lt1>
+      <a:dk2>
+        <a:srgbClr val="158158"/>
+      </a:dk2>
+      <a:lt2>
+        <a:srgbClr val="F3F3F3"/>
+      </a:lt2>
+      <a:accent1>
+        <a:srgbClr val="058DC7"/>
+      </a:accent1>
+      <a:accent2>
+        <a:srgbClr val="50B432"/>
+      </a:accent2>
+      <a:accent3>
+        <a:srgbClr val="ED561B"/>
+      </a:accent3>
+      <a:accent4>
+        <a:srgbClr val="EDEF00"/>
+      </a:accent4>
+      <a:accent5>
+        <a:srgbClr val="24CBE5"/>
+      </a:accent5>
+      <a:accent6>
+        <a:srgbClr val="64E572"/>
+      </a:accent6>
+      <a:hlink>
+        <a:srgbClr val="2200CC"/>
+      </a:hlink>
+      <a:folHlink>
+        <a:srgbClr val="551A8B"/>
+      </a:folHlink>
+    </a:clrScheme>
+    <a:fontScheme name="Office">
+      <a:majorFont>
+        <a:latin typeface="Arial"/>
+        <a:ea typeface=""/>
+        <a:cs typeface=""/>
+        <a:font script="Jpan" typeface="ＭＳ Ｐゴシック"/>
+        <a:font script="Hang" typeface="맑은 고딕"/>
+        <a:font script="Hans" typeface="宋体"/>
+        <a:font script="Hant" typeface="新細明體"/>
+        <a:font script="Arab" typeface="Times New Roman"/>
+        <a:font script="Hebr" typeface="Times New Roman"/>
+        <a:font script="Thai" typeface="Angsana New"/>
+        <a:font script="Ethi" typeface="Nyala"/>
+        <a:font script="Beng" typeface="Vrinda"/>
+        <a:font script="Gujr" typeface="Shruti"/>
+        <a:font script="Khmr" typeface="MoolBoran"/>
+        <a:font script="Knda" typeface="Tunga"/>
+        <a:font script="Guru" typeface="Raavi"/>
+        <a:font script="Cans" typeface="Euphemia"/>
+        <a:font script="Cher" typeface="Plantagenet Cherokee"/>
+        <a:font script="Yiii" typeface="Microsoft Yi Baiti"/>
+        <a:font script="Tibt" typeface="Microsoft Himalaya"/>
+        <a:font script="Thaa" typeface="MV Boli"/>
+        <a:font script="Deva" typeface="Mangal"/>
+        <a:font script="Telu" typeface="Gautami"/>
+        <a:font script="Taml" typeface="Latha"/>
+        <a:font script="Syrc" typeface="Estrangelo Edessa"/>
+        <a:font script="Orya" typeface="Kalinga"/>
+        <a:font script="Mlym" typeface="Kartika"/>
+        <a:font script="Laoo" typeface="DokChampa"/>
+        <a:font script="Sinh" typeface="Iskoola Pota"/>
+        <a:font script="Mong" typeface="Mongolian Baiti"/>
+        <a:font script="Viet" typeface="Times New Roman"/>
+        <a:font script="Uigh" typeface="Microsoft Uighur"/>
+        <a:font script="Geor" typeface="Sylfaen"/>
+      </a:majorFont>
+      <a:minorFont>
+        <a:latin typeface="Arial"/>
+        <a:ea typeface=""/>
+        <a:cs typeface=""/>
+        <a:font script="Jpan" typeface="ＭＳ Ｐゴシック"/>
+        <a:font script="Hang" typeface="맑은 고딕"/>
+        <a:font script="Hans" typeface="宋体"/>
+        <a:font script="Hant" typeface="新細明體"/>
+        <a:font script="Arab" typeface="Arial"/>
+        <a:font script="Hebr" typeface="Arial"/>
+        <a:font script="Thai" typeface="Cordia New"/>
+        <a:font script="Ethi" typeface="Nyala"/>
+        <a:font script="Beng" typeface="Vrinda"/>
+        <a:font script="Gujr" typeface="Shruti"/>
+        <a:font script="Khmr" typeface="DaunPenh"/>
+        <a:font script="Knda" typeface="Tunga"/>
+        <a:font script="Guru" typeface="Raavi"/>
+        <a:font script="Cans" typeface="Euphemia"/>
+        <a:font script="Cher" typeface="Plantagenet Cherokee"/>
+        <a:font script="Yiii" typeface="Microsoft Yi Baiti"/>
+        <a:font script="Tibt" typeface="Microsoft Himalaya"/>
+        <a:font script="Thaa" typeface="MV Boli"/>
+        <a:font script="Deva" typeface="Mangal"/>
+        <a:font script="Telu" typeface="Gautami"/>
+        <a:font script="Taml" typeface="Latha"/>
+        <a:font script="Syrc" typeface="Estrangelo Edessa"/>
+        <a:font script="Orya" typeface="Kalinga"/>
+        <a:font script="Mlym" typeface="Kartika"/>
+        <a:font script="Laoo" typeface="DokChampa"/>
+        <a:font script="Sinh" typeface="Iskoola Pota"/>
+        <a:font script="Mong" typeface="Mongolian Baiti"/>
+        <a:font script="Viet" typeface="Arial"/>
+        <a:font script="Uigh" typeface="Microsoft Uighur"/>
+        <a:font script="Geor" typeface="Sylfaen"/>
+      </a:minorFont>
+    </a:fontScheme>
+    <a:fmtScheme name="Office">
+      <a:fillStyleLst>
+        <a:solidFill>
+          <a:schemeClr val="phClr"/>
+        </a:solidFill>
+        <a:gradFill rotWithShape="1">
+          <a:gsLst>
+            <a:gs pos="0">
+              <a:schemeClr val="phClr">
+                <a:tint val="50000"/>
+                <a:satMod val="300000"/>
+              </a:schemeClr>
+            </a:gs>
+            <a:gs pos="35000">
+              <a:schemeClr val="phClr">
+                <a:tint val="37000"/>
+                <a:satMod val="300000"/>
+              </a:schemeClr>
+            </a:gs>
+            <a:gs pos="100000">
+              <a:schemeClr val="phClr">
+                <a:tint val="15000"/>
+                <a:satMod val="350000"/>
+              </a:schemeClr>
+            </a:gs>
+          </a:gsLst>
+          <a:lin ang="16200000" scaled="1"/>
+        </a:gradFill>
+        <a:gradFill rotWithShape="1">
+          <a:gsLst>
+            <a:gs pos="0">
+              <a:schemeClr val="phClr">
+                <a:tint val="100000"/>
+                <a:shade val="100000"/>
+                <a:satMod val="130000"/>
+              </a:schemeClr>
+            </a:gs>
+            <a:gs pos="100000">
+              <a:schemeClr val="phClr">
+                <a:tint val="50000"/>
+                <a:shade val="100000"/>
+                <a:satMod val="350000"/>
+              </a:schemeClr>
+            </a:gs>
+          </a:gsLst>
+          <a:lin ang="16200000" scaled="0"/>
+        </a:gradFill>
+      </a:fillStyleLst>
+      <a:lnStyleLst>
+        <a:ln w="9525" cap="flat" cmpd="sng" algn="ctr">
+          <a:solidFill>
+            <a:schemeClr val="phClr">
+              <a:shade val="95000"/>
+              <a:satMod val="105000"/>
+            </a:schemeClr>
+          </a:solidFill>
+          <a:prstDash val="solid"/>
+        </a:ln>
+        <a:ln w="25400" cap="flat" cmpd="sng" algn="ctr">
+          <a:solidFill>
+            <a:schemeClr val="phClr"/>
+          </a:solidFill>
+          <a:prstDash val="solid"/>
+        </a:ln>
+        <a:ln w="38100" cap="flat" cmpd="sng" algn="ctr">
+          <a:solidFill>
+            <a:schemeClr val="phClr"/>
+          </a:solidFill>
+          <a:prstDash val="solid"/>
+        </a:ln>
+      </a:lnStyleLst>
+      <a:effectStyleLst>
+        <a:effectStyle>
+          <a:effectLst>
+            <a:outerShdw blurRad="40000" dist="20000" dir="5400000" rotWithShape="0">
+              <a:srgbClr val="000000">
+                <a:alpha val="38000"/>
+              </a:srgbClr>
+            </a:outerShdw>
+          </a:effectLst>
+        </a:effectStyle>
+        <a:effectStyle>
+          <a:effectLst>
+            <a:outerShdw blurRad="40000" dist="23000" dir="5400000" rotWithShape="0">
+              <a:srgbClr val="000000">
+                <a:alpha val="35000"/>
+              </a:srgbClr>
+            </a:outerShdw>
+          </a:effectLst>
+        </a:effectStyle>
+        <a:effectStyle>
+          <a:effectLst>
+            <a:outerShdw blurRad="40000" dist="23000" dir="5400000" rotWithShape="0">
+              <a:srgbClr val="000000">
+                <a:alpha val="35000"/>
+              </a:srgbClr>
+            </a:outerShdw>
+          </a:effectLst>
+          <a:scene3d>
+            <a:camera prst="orthographicFront">
+              <a:rot lat="0" lon="0" rev="0"/>
+            </a:camera>
+            <a:lightRig rig="threePt" dir="t">
+              <a:rot lat="0" lon="0" rev="1200000"/>
+            </a:lightRig>
+          </a:scene3d>
+          <a:sp3d>
+            <a:bevelT w="63500" h="25400"/>
+          </a:sp3d>
+        </a:effectStyle>
+      </a:effectStyleLst>
+      <a:bgFillStyleLst>
+        <a:solidFill>
+          <a:schemeClr val="phClr"/>
+        </a:solidFill>
+        <a:gradFill rotWithShape="1">
+          <a:gsLst>
+            <a:gs pos="0">
+              <a:schemeClr val="phClr">
+                <a:tint val="40000"/>
+                <a:satMod val="350000"/>
+              </a:schemeClr>
+            </a:gs>
+            <a:gs pos="40000">
+              <a:schemeClr val="phClr">
+                <a:tint val="45000"/>
+                <a:shade val="99000"/>
+                <a:satMod val="350000"/>
+              </a:schemeClr>
+            </a:gs>
+            <a:gs pos="100000">
+              <a:schemeClr val="phClr">
+                <a:shade val="20000"/>
+                <a:satMod val="255000"/>
+              </a:schemeClr>
+            </a:gs>
+          </a:gsLst>
+          <a:path path="circle">
+            <a:fillToRect l="50000" t="-80000" r="50000" b="180000"/>
+          </a:path>
+        </a:gradFill>
+        <a:gradFill rotWithShape="1">
+          <a:gsLst>
+            <a:gs pos="0">
+              <a:schemeClr val="phClr">
+                <a:tint val="80000"/>
+                <a:satMod val="300000"/>
+              </a:schemeClr>
+            </a:gs>
+            <a:gs pos="100000">
+              <a:schemeClr val="phClr">
+                <a:shade val="30000"/>
+                <a:satMod val="200000"/>
+              </a:schemeClr>
+            </a:gs>
+          </a:gsLst>
+          <a:path path="circle">
+            <a:fillToRect l="50000" t="50000" r="50000" b="50000"/>
+          </a:path>
+        </a:gradFill>
+      </a:bgFillStyleLst>
+    </a:fmtScheme>
+  </a:themeElements>
+</a:theme>
+</file>
+
+<file path=ppt/theme/theme2.xml><?xml version="1.0" encoding="utf-8"?>
 <a:theme xmlns:a="http://schemas.openxmlformats.org/drawingml/2006/main" xmlns:r="http://schemas.openxmlformats.org/officeDocument/2006/relationships" name="Simple Light">
   <a:themeElements>
     <a:clrScheme name="Simple Light">
@@ -18730,283 +19009,4 @@
     </a:fmtScheme>
   </a:themeElements>
 </a:theme>
-</file>
-
-<file path=ppt/theme/theme2.xml><?xml version="1.0" encoding="utf-8"?>
-<a:theme xmlns:a="http://schemas.openxmlformats.org/drawingml/2006/main" xmlns:r="http://schemas.openxmlformats.org/officeDocument/2006/relationships">
-  <a:themeElements>
-    <a:clrScheme name="Default">
-      <a:dk1>
-        <a:srgbClr val="000000"/>
-      </a:dk1>
-      <a:lt1>
-        <a:srgbClr val="FFFFFF"/>
-      </a:lt1>
-      <a:dk2>
-        <a:srgbClr val="158158"/>
-      </a:dk2>
-      <a:lt2>
-        <a:srgbClr val="F3F3F3"/>
-      </a:lt2>
-      <a:accent1>
-        <a:srgbClr val="058DC7"/>
-      </a:accent1>
-      <a:accent2>
-        <a:srgbClr val="50B432"/>
-      </a:accent2>
-      <a:accent3>
-        <a:srgbClr val="ED561B"/>
-      </a:accent3>
-      <a:accent4>
-        <a:srgbClr val="EDEF00"/>
-      </a:accent4>
-      <a:accent5>
-        <a:srgbClr val="24CBE5"/>
-      </a:accent5>
-      <a:accent6>
-        <a:srgbClr val="64E572"/>
-      </a:accent6>
-      <a:hlink>
-        <a:srgbClr val="2200CC"/>
-      </a:hlink>
-      <a:folHlink>
-        <a:srgbClr val="551A8B"/>
-      </a:folHlink>
-    </a:clrScheme>
-    <a:fontScheme name="Office">
-      <a:majorFont>
-        <a:latin typeface="Arial"/>
-        <a:ea typeface=""/>
-        <a:cs typeface=""/>
-        <a:font script="Jpan" typeface="ＭＳ Ｐゴシック"/>
-        <a:font script="Hang" typeface="맑은 고딕"/>
-        <a:font script="Hans" typeface="宋体"/>
-        <a:font script="Hant" typeface="新細明體"/>
-        <a:font script="Arab" typeface="Times New Roman"/>
-        <a:font script="Hebr" typeface="Times New Roman"/>
-        <a:font script="Thai" typeface="Angsana New"/>
-        <a:font script="Ethi" typeface="Nyala"/>
-        <a:font script="Beng" typeface="Vrinda"/>
-        <a:font script="Gujr" typeface="Shruti"/>
-        <a:font script="Khmr" typeface="MoolBoran"/>
-        <a:font script="Knda" typeface="Tunga"/>
-        <a:font script="Guru" typeface="Raavi"/>
-        <a:font script="Cans" typeface="Euphemia"/>
-        <a:font script="Cher" typeface="Plantagenet Cherokee"/>
-        <a:font script="Yiii" typeface="Microsoft Yi Baiti"/>
-        <a:font script="Tibt" typeface="Microsoft Himalaya"/>
-        <a:font script="Thaa" typeface="MV Boli"/>
-        <a:font script="Deva" typeface="Mangal"/>
-        <a:font script="Telu" typeface="Gautami"/>
-        <a:font script="Taml" typeface="Latha"/>
-        <a:font script="Syrc" typeface="Estrangelo Edessa"/>
-        <a:font script="Orya" typeface="Kalinga"/>
-        <a:font script="Mlym" typeface="Kartika"/>
-        <a:font script="Laoo" typeface="DokChampa"/>
-        <a:font script="Sinh" typeface="Iskoola Pota"/>
-        <a:font script="Mong" typeface="Mongolian Baiti"/>
-        <a:font script="Viet" typeface="Times New Roman"/>
-        <a:font script="Uigh" typeface="Microsoft Uighur"/>
-        <a:font script="Geor" typeface="Sylfaen"/>
-      </a:majorFont>
-      <a:minorFont>
-        <a:latin typeface="Arial"/>
-        <a:ea typeface=""/>
-        <a:cs typeface=""/>
-        <a:font script="Jpan" typeface="ＭＳ Ｐゴシック"/>
-        <a:font script="Hang" typeface="맑은 고딕"/>
-        <a:font script="Hans" typeface="宋体"/>
-        <a:font script="Hant" typeface="新細明體"/>
-        <a:font script="Arab" typeface="Arial"/>
-        <a:font script="Hebr" typeface="Arial"/>
-        <a:font script="Thai" typeface="Cordia New"/>
-        <a:font script="Ethi" typeface="Nyala"/>
-        <a:font script="Beng" typeface="Vrinda"/>
-        <a:font script="Gujr" typeface="Shruti"/>
-        <a:font script="Khmr" typeface="DaunPenh"/>
-        <a:font script="Knda" typeface="Tunga"/>
-        <a:font script="Guru" typeface="Raavi"/>
-        <a:font script="Cans" typeface="Euphemia"/>
-        <a:font script="Cher" typeface="Plantagenet Cherokee"/>
-        <a:font script="Yiii" typeface="Microsoft Yi Baiti"/>
-        <a:font script="Tibt" typeface="Microsoft Himalaya"/>
-        <a:font script="Thaa" typeface="MV Boli"/>
-        <a:font script="Deva" typeface="Mangal"/>
-        <a:font script="Telu" typeface="Gautami"/>
-        <a:font script="Taml" typeface="Latha"/>
-        <a:font script="Syrc" typeface="Estrangelo Edessa"/>
-        <a:font script="Orya" typeface="Kalinga"/>
-        <a:font script="Mlym" typeface="Kartika"/>
-        <a:font script="Laoo" typeface="DokChampa"/>
-        <a:font script="Sinh" typeface="Iskoola Pota"/>
-        <a:font script="Mong" typeface="Mongolian Baiti"/>
-        <a:font script="Viet" typeface="Arial"/>
-        <a:font script="Uigh" typeface="Microsoft Uighur"/>
-        <a:font script="Geor" typeface="Sylfaen"/>
-      </a:minorFont>
-    </a:fontScheme>
-    <a:fmtScheme name="Office">
-      <a:fillStyleLst>
-        <a:solidFill>
-          <a:schemeClr val="phClr"/>
-        </a:solidFill>
-        <a:gradFill rotWithShape="1">
-          <a:gsLst>
-            <a:gs pos="0">
-              <a:schemeClr val="phClr">
-                <a:tint val="50000"/>
-                <a:satMod val="300000"/>
-              </a:schemeClr>
-            </a:gs>
-            <a:gs pos="35000">
-              <a:schemeClr val="phClr">
-                <a:tint val="37000"/>
-                <a:satMod val="300000"/>
-              </a:schemeClr>
-            </a:gs>
-            <a:gs pos="100000">
-              <a:schemeClr val="phClr">
-                <a:tint val="15000"/>
-                <a:satMod val="350000"/>
-              </a:schemeClr>
-            </a:gs>
-          </a:gsLst>
-          <a:lin ang="16200000" scaled="1"/>
-        </a:gradFill>
-        <a:gradFill rotWithShape="1">
-          <a:gsLst>
-            <a:gs pos="0">
-              <a:schemeClr val="phClr">
-                <a:tint val="100000"/>
-                <a:shade val="100000"/>
-                <a:satMod val="130000"/>
-              </a:schemeClr>
-            </a:gs>
-            <a:gs pos="100000">
-              <a:schemeClr val="phClr">
-                <a:tint val="50000"/>
-                <a:shade val="100000"/>
-                <a:satMod val="350000"/>
-              </a:schemeClr>
-            </a:gs>
-          </a:gsLst>
-          <a:lin ang="16200000" scaled="0"/>
-        </a:gradFill>
-      </a:fillStyleLst>
-      <a:lnStyleLst>
-        <a:ln w="9525" cap="flat" cmpd="sng" algn="ctr">
-          <a:solidFill>
-            <a:schemeClr val="phClr">
-              <a:shade val="95000"/>
-              <a:satMod val="105000"/>
-            </a:schemeClr>
-          </a:solidFill>
-          <a:prstDash val="solid"/>
-        </a:ln>
-        <a:ln w="25400" cap="flat" cmpd="sng" algn="ctr">
-          <a:solidFill>
-            <a:schemeClr val="phClr"/>
-          </a:solidFill>
-          <a:prstDash val="solid"/>
-        </a:ln>
-        <a:ln w="38100" cap="flat" cmpd="sng" algn="ctr">
-          <a:solidFill>
-            <a:schemeClr val="phClr"/>
-          </a:solidFill>
-          <a:prstDash val="solid"/>
-        </a:ln>
-      </a:lnStyleLst>
-      <a:effectStyleLst>
-        <a:effectStyle>
-          <a:effectLst>
-            <a:outerShdw blurRad="40000" dist="20000" dir="5400000" rotWithShape="0">
-              <a:srgbClr val="000000">
-                <a:alpha val="38000"/>
-              </a:srgbClr>
-            </a:outerShdw>
-          </a:effectLst>
-        </a:effectStyle>
-        <a:effectStyle>
-          <a:effectLst>
-            <a:outerShdw blurRad="40000" dist="23000" dir="5400000" rotWithShape="0">
-              <a:srgbClr val="000000">
-                <a:alpha val="35000"/>
-              </a:srgbClr>
-            </a:outerShdw>
-          </a:effectLst>
-        </a:effectStyle>
-        <a:effectStyle>
-          <a:effectLst>
-            <a:outerShdw blurRad="40000" dist="23000" dir="5400000" rotWithShape="0">
-              <a:srgbClr val="000000">
-                <a:alpha val="35000"/>
-              </a:srgbClr>
-            </a:outerShdw>
-          </a:effectLst>
-          <a:scene3d>
-            <a:camera prst="orthographicFront">
-              <a:rot lat="0" lon="0" rev="0"/>
-            </a:camera>
-            <a:lightRig rig="threePt" dir="t">
-              <a:rot lat="0" lon="0" rev="1200000"/>
-            </a:lightRig>
-          </a:scene3d>
-          <a:sp3d>
-            <a:bevelT w="63500" h="25400"/>
-          </a:sp3d>
-        </a:effectStyle>
-      </a:effectStyleLst>
-      <a:bgFillStyleLst>
-        <a:solidFill>
-          <a:schemeClr val="phClr"/>
-        </a:solidFill>
-        <a:gradFill rotWithShape="1">
-          <a:gsLst>
-            <a:gs pos="0">
-              <a:schemeClr val="phClr">
-                <a:tint val="40000"/>
-                <a:satMod val="350000"/>
-              </a:schemeClr>
-            </a:gs>
-            <a:gs pos="40000">
-              <a:schemeClr val="phClr">
-                <a:tint val="45000"/>
-                <a:shade val="99000"/>
-                <a:satMod val="350000"/>
-              </a:schemeClr>
-            </a:gs>
-            <a:gs pos="100000">
-              <a:schemeClr val="phClr">
-                <a:shade val="20000"/>
-                <a:satMod val="255000"/>
-              </a:schemeClr>
-            </a:gs>
-          </a:gsLst>
-          <a:path path="circle">
-            <a:fillToRect l="50000" t="-80000" r="50000" b="180000"/>
-          </a:path>
-        </a:gradFill>
-        <a:gradFill rotWithShape="1">
-          <a:gsLst>
-            <a:gs pos="0">
-              <a:schemeClr val="phClr">
-                <a:tint val="80000"/>
-                <a:satMod val="300000"/>
-              </a:schemeClr>
-            </a:gs>
-            <a:gs pos="100000">
-              <a:schemeClr val="phClr">
-                <a:shade val="30000"/>
-                <a:satMod val="200000"/>
-              </a:schemeClr>
-            </a:gs>
-          </a:gsLst>
-          <a:path path="circle">
-            <a:fillToRect l="50000" t="50000" r="50000" b="50000"/>
-          </a:path>
-        </a:gradFill>
-      </a:bgFillStyleLst>
-    </a:fmtScheme>
-  </a:themeElements>
-</a:theme>
 </file>
--- a/models_comp_comm/documents/The Process.pptx
+++ b/models_comp_comm/documents/The Process.pptx
@@ -23,11 +23,18 @@
   <p:notesSz cx="6858000" cy="9144000"/>
   <p:embeddedFontLst>
     <p:embeddedFont>
-      <p:font typeface="Source Code Pro"/>
+      <p:font typeface="Roboto"/>
       <p:regular r:id="rId16"/>
       <p:bold r:id="rId17"/>
       <p:italic r:id="rId18"/>
       <p:boldItalic r:id="rId19"/>
+    </p:embeddedFont>
+    <p:embeddedFont>
+      <p:font typeface="Source Code Pro"/>
+      <p:regular r:id="rId20"/>
+      <p:bold r:id="rId21"/>
+      <p:italic r:id="rId22"/>
+      <p:boldItalic r:id="rId23"/>
     </p:embeddedFont>
   </p:embeddedFontLst>
   <p:defaultTextStyle>
@@ -808,7 +815,7 @@
   <p:cSld>
     <p:spTree>
       <p:nvGrpSpPr>
-        <p:cNvPr id="258" name="Shape 258"/>
+        <p:cNvPr id="265" name="Shape 265"/>
         <p:cNvGrpSpPr/>
         <p:nvPr/>
       </p:nvGrpSpPr>
@@ -822,7 +829,7 @@
       </p:grpSpPr>
       <p:sp>
         <p:nvSpPr>
-          <p:cNvPr id="259" name="Google Shape;259;gbc6dd52996_0_340:notes"/>
+          <p:cNvPr id="266" name="Google Shape;266;gbc6dd52996_0_340:notes"/>
           <p:cNvSpPr/>
           <p:nvPr>
             <p:ph idx="2" type="sldImg"/>
@@ -857,7 +864,7 @@
       </p:sp>
       <p:sp>
         <p:nvSpPr>
-          <p:cNvPr id="260" name="Google Shape;260;gbc6dd52996_0_340:notes"/>
+          <p:cNvPr id="267" name="Google Shape;267;gbc6dd52996_0_340:notes"/>
           <p:cNvSpPr txBox="1"/>
           <p:nvPr>
             <p:ph idx="1" type="body"/>
@@ -1303,7 +1310,7 @@
   <p:cSld>
     <p:spTree>
       <p:nvGrpSpPr>
-        <p:cNvPr id="167" name="Shape 167"/>
+        <p:cNvPr id="170" name="Shape 170"/>
         <p:cNvGrpSpPr/>
         <p:nvPr/>
       </p:nvGrpSpPr>
@@ -1317,7 +1324,7 @@
       </p:grpSpPr>
       <p:sp>
         <p:nvSpPr>
-          <p:cNvPr id="168" name="Google Shape;168;gbc6dd52996_0_118:notes"/>
+          <p:cNvPr id="171" name="Google Shape;171;gbc6dd52996_0_118:notes"/>
           <p:cNvSpPr/>
           <p:nvPr>
             <p:ph idx="2" type="sldImg"/>
@@ -1352,7 +1359,7 @@
       </p:sp>
       <p:sp>
         <p:nvSpPr>
-          <p:cNvPr id="169" name="Google Shape;169;gbc6dd52996_0_118:notes"/>
+          <p:cNvPr id="172" name="Google Shape;172;gbc6dd52996_0_118:notes"/>
           <p:cNvSpPr txBox="1"/>
           <p:nvPr>
             <p:ph idx="1" type="body"/>
@@ -1402,7 +1409,7 @@
   <p:cSld>
     <p:spTree>
       <p:nvGrpSpPr>
-        <p:cNvPr id="176" name="Shape 176"/>
+        <p:cNvPr id="181" name="Shape 181"/>
         <p:cNvGrpSpPr/>
         <p:nvPr/>
       </p:nvGrpSpPr>
@@ -1416,7 +1423,7 @@
       </p:grpSpPr>
       <p:sp>
         <p:nvSpPr>
-          <p:cNvPr id="177" name="Google Shape;177;gbc6dd52996_0_216:notes"/>
+          <p:cNvPr id="182" name="Google Shape;182;gbc6dd52996_0_216:notes"/>
           <p:cNvSpPr/>
           <p:nvPr>
             <p:ph idx="2" type="sldImg"/>
@@ -1451,7 +1458,7 @@
       </p:sp>
       <p:sp>
         <p:nvSpPr>
-          <p:cNvPr id="178" name="Google Shape;178;gbc6dd52996_0_216:notes"/>
+          <p:cNvPr id="183" name="Google Shape;183;gbc6dd52996_0_216:notes"/>
           <p:cNvSpPr txBox="1"/>
           <p:nvPr>
             <p:ph idx="1" type="body"/>
@@ -1501,7 +1508,7 @@
   <p:cSld>
     <p:spTree>
       <p:nvGrpSpPr>
-        <p:cNvPr id="210" name="Shape 210"/>
+        <p:cNvPr id="215" name="Shape 215"/>
         <p:cNvGrpSpPr/>
         <p:nvPr/>
       </p:nvGrpSpPr>
@@ -1515,7 +1522,7 @@
       </p:grpSpPr>
       <p:sp>
         <p:nvSpPr>
-          <p:cNvPr id="211" name="Google Shape;211;gbc6dd52996_0_202:notes"/>
+          <p:cNvPr id="216" name="Google Shape;216;gbc6dd52996_0_202:notes"/>
           <p:cNvSpPr/>
           <p:nvPr>
             <p:ph idx="2" type="sldImg"/>
@@ -1550,7 +1557,7 @@
       </p:sp>
       <p:sp>
         <p:nvSpPr>
-          <p:cNvPr id="212" name="Google Shape;212;gbc6dd52996_0_202:notes"/>
+          <p:cNvPr id="217" name="Google Shape;217;gbc6dd52996_0_202:notes"/>
           <p:cNvSpPr txBox="1"/>
           <p:nvPr>
             <p:ph idx="1" type="body"/>
@@ -1600,7 +1607,7 @@
   <p:cSld>
     <p:spTree>
       <p:nvGrpSpPr>
-        <p:cNvPr id="225" name="Shape 225"/>
+        <p:cNvPr id="232" name="Shape 232"/>
         <p:cNvGrpSpPr/>
         <p:nvPr/>
       </p:nvGrpSpPr>
@@ -1614,7 +1621,7 @@
       </p:grpSpPr>
       <p:sp>
         <p:nvSpPr>
-          <p:cNvPr id="226" name="Google Shape;226;gbc6dd52996_0_243:notes"/>
+          <p:cNvPr id="233" name="Google Shape;233;gbc6dd52996_0_243:notes"/>
           <p:cNvSpPr/>
           <p:nvPr>
             <p:ph idx="2" type="sldImg"/>
@@ -1649,7 +1656,7 @@
       </p:sp>
       <p:sp>
         <p:nvSpPr>
-          <p:cNvPr id="227" name="Google Shape;227;gbc6dd52996_0_243:notes"/>
+          <p:cNvPr id="234" name="Google Shape;234;gbc6dd52996_0_243:notes"/>
           <p:cNvSpPr txBox="1"/>
           <p:nvPr>
             <p:ph idx="1" type="body"/>
@@ -6664,7 +6671,7 @@
                 <a:cs typeface="Source Code Pro"/>
                 <a:sym typeface="Source Code Pro"/>
               </a:rPr>
-              <a:t>int</a:t>
+              <a:t>void</a:t>
             </a:r>
             <a:r>
               <a:rPr lang="en">
@@ -6712,7 +6719,7 @@
                 <a:cs typeface="Source Code Pro"/>
                 <a:sym typeface="Source Code Pro"/>
               </a:rPr>
-              <a:t>int argc, char* argv[], char** envp</a:t>
+              <a:t>int argc, char* argv[], char** env</a:t>
             </a:r>
             <a:r>
               <a:rPr lang="en">
@@ -7256,7 +7263,15 @@
             </a:pPr>
             <a:r>
               <a:rPr lang="en" sz="1300"/>
-              <a:t>System.err	 == stderr</a:t>
+              <a:t>System.</a:t>
+            </a:r>
+            <a:r>
+              <a:rPr lang="en" sz="1300"/>
+              <a:t>err</a:t>
+            </a:r>
+            <a:r>
+              <a:rPr lang="en" sz="1300"/>
+              <a:t>	 == stderr</a:t>
             </a:r>
             <a:endParaRPr sz="1300"/>
           </a:p>
@@ -7879,7 +7894,7 @@
             </a:pPr>
             <a:r>
               <a:rPr lang="en"/>
-              <a:t>"arg3"</a:t>
+              <a:t>"arg2"</a:t>
             </a:r>
             <a:endParaRPr/>
           </a:p>
@@ -8583,7 +8598,7 @@
   <p:cSld>
     <p:spTree>
       <p:nvGrpSpPr>
-        <p:cNvPr id="261" name="Shape 261"/>
+        <p:cNvPr id="268" name="Shape 268"/>
         <p:cNvGrpSpPr/>
         <p:nvPr/>
       </p:nvGrpSpPr>
@@ -8597,7 +8612,7 @@
       </p:grpSpPr>
       <p:sp>
         <p:nvSpPr>
-          <p:cNvPr id="262" name="Google Shape;262;p22"/>
+          <p:cNvPr id="269" name="Google Shape;269;p22"/>
           <p:cNvSpPr txBox="1"/>
           <p:nvPr>
             <p:ph type="title"/>
@@ -8637,7 +8652,7 @@
       </p:sp>
       <p:sp>
         <p:nvSpPr>
-          <p:cNvPr id="263" name="Google Shape;263;p22"/>
+          <p:cNvPr id="270" name="Google Shape;270;p22"/>
           <p:cNvSpPr txBox="1"/>
           <p:nvPr>
             <p:ph idx="1" type="body"/>
@@ -8832,7 +8847,7 @@
       </p:sp>
       <p:sp>
         <p:nvSpPr>
-          <p:cNvPr id="264" name="Google Shape;264;p22"/>
+          <p:cNvPr id="271" name="Google Shape;271;p22"/>
           <p:cNvSpPr/>
           <p:nvPr/>
         </p:nvSpPr>
@@ -8882,7 +8897,7 @@
       </p:sp>
       <p:sp>
         <p:nvSpPr>
-          <p:cNvPr id="265" name="Google Shape;265;p22"/>
+          <p:cNvPr id="272" name="Google Shape;272;p22"/>
           <p:cNvSpPr/>
           <p:nvPr/>
         </p:nvSpPr>
@@ -8924,7 +8939,7 @@
       </p:sp>
       <p:sp>
         <p:nvSpPr>
-          <p:cNvPr id="266" name="Google Shape;266;p22"/>
+          <p:cNvPr id="273" name="Google Shape;273;p22"/>
           <p:cNvSpPr/>
           <p:nvPr/>
         </p:nvSpPr>
@@ -8974,7 +8989,7 @@
       </p:sp>
       <p:sp>
         <p:nvSpPr>
-          <p:cNvPr id="267" name="Google Shape;267;p22"/>
+          <p:cNvPr id="274" name="Google Shape;274;p22"/>
           <p:cNvSpPr/>
           <p:nvPr/>
         </p:nvSpPr>
@@ -9024,10 +9039,10 @@
       </p:sp>
       <p:cxnSp>
         <p:nvCxnSpPr>
-          <p:cNvPr id="268" name="Google Shape;268;p22"/>
+          <p:cNvPr id="275" name="Google Shape;275;p22"/>
           <p:cNvCxnSpPr>
-            <a:stCxn id="266" idx="2"/>
-            <a:endCxn id="265" idx="0"/>
+            <a:stCxn id="273" idx="2"/>
+            <a:endCxn id="272" idx="0"/>
           </p:cNvCxnSpPr>
           <p:nvPr/>
         </p:nvCxnSpPr>
@@ -9055,10 +9070,10 @@
       </p:cxnSp>
       <p:cxnSp>
         <p:nvCxnSpPr>
-          <p:cNvPr id="269" name="Google Shape;269;p22"/>
+          <p:cNvPr id="276" name="Google Shape;276;p22"/>
           <p:cNvCxnSpPr>
-            <a:stCxn id="267" idx="2"/>
-            <a:endCxn id="264" idx="0"/>
+            <a:stCxn id="274" idx="2"/>
+            <a:endCxn id="271" idx="0"/>
           </p:cNvCxnSpPr>
           <p:nvPr/>
         </p:nvCxnSpPr>
@@ -9086,7 +9101,7 @@
       </p:cxnSp>
       <p:sp>
         <p:nvSpPr>
-          <p:cNvPr id="270" name="Google Shape;270;p22"/>
+          <p:cNvPr id="277" name="Google Shape;277;p22"/>
           <p:cNvSpPr/>
           <p:nvPr/>
         </p:nvSpPr>
@@ -9136,7 +9151,7 @@
       </p:sp>
       <p:sp>
         <p:nvSpPr>
-          <p:cNvPr id="271" name="Google Shape;271;p22"/>
+          <p:cNvPr id="278" name="Google Shape;278;p22"/>
           <p:cNvSpPr/>
           <p:nvPr/>
         </p:nvSpPr>
@@ -9178,7 +9193,7 @@
       </p:sp>
       <p:sp>
         <p:nvSpPr>
-          <p:cNvPr id="272" name="Google Shape;272;p22"/>
+          <p:cNvPr id="279" name="Google Shape;279;p22"/>
           <p:cNvSpPr txBox="1"/>
           <p:nvPr>
             <p:ph idx="1" type="body"/>
@@ -9219,14 +9234,14 @@
       </p:sp>
       <p:sp>
         <p:nvSpPr>
-          <p:cNvPr id="273" name="Google Shape;273;p22"/>
+          <p:cNvPr id="280" name="Google Shape;280;p22"/>
           <p:cNvSpPr/>
           <p:nvPr/>
         </p:nvSpPr>
         <p:spPr>
           <a:xfrm>
-            <a:off x="7315684" y="347796"/>
-            <a:ext cx="558900" cy="345600"/>
+            <a:off x="7228120" y="347800"/>
+            <a:ext cx="888300" cy="345600"/>
           </a:xfrm>
           <a:prstGeom prst="rect">
             <a:avLst/>
@@ -9269,14 +9284,14 @@
       </p:sp>
       <p:sp>
         <p:nvSpPr>
-          <p:cNvPr id="274" name="Google Shape;274;p22"/>
+          <p:cNvPr id="281" name="Google Shape;281;p22"/>
           <p:cNvSpPr/>
           <p:nvPr/>
         </p:nvSpPr>
         <p:spPr>
           <a:xfrm>
-            <a:off x="7885725" y="347788"/>
-            <a:ext cx="852000" cy="345600"/>
+            <a:off x="8128515" y="347800"/>
+            <a:ext cx="920100" cy="345600"/>
           </a:xfrm>
           <a:prstGeom prst="rect">
             <a:avLst/>
@@ -9311,14 +9326,14 @@
       </p:sp>
       <p:sp>
         <p:nvSpPr>
-          <p:cNvPr id="275" name="Google Shape;275;p22"/>
+          <p:cNvPr id="282" name="Google Shape;282;p22"/>
           <p:cNvSpPr/>
           <p:nvPr/>
         </p:nvSpPr>
         <p:spPr>
           <a:xfrm>
-            <a:off x="7315684" y="693408"/>
-            <a:ext cx="558900" cy="345600"/>
+            <a:off x="7228120" y="693412"/>
+            <a:ext cx="888300" cy="345600"/>
           </a:xfrm>
           <a:prstGeom prst="rect">
             <a:avLst/>
@@ -9361,14 +9376,14 @@
       </p:sp>
       <p:sp>
         <p:nvSpPr>
-          <p:cNvPr id="276" name="Google Shape;276;p22"/>
+          <p:cNvPr id="283" name="Google Shape;283;p22"/>
           <p:cNvSpPr/>
           <p:nvPr/>
         </p:nvSpPr>
         <p:spPr>
           <a:xfrm>
-            <a:off x="7885725" y="693400"/>
-            <a:ext cx="852000" cy="345600"/>
+            <a:off x="8128515" y="693412"/>
+            <a:ext cx="920100" cy="345600"/>
           </a:xfrm>
           <a:prstGeom prst="rect">
             <a:avLst/>
@@ -9403,14 +9418,14 @@
       </p:sp>
       <p:sp>
         <p:nvSpPr>
-          <p:cNvPr id="277" name="Google Shape;277;p22"/>
+          <p:cNvPr id="284" name="Google Shape;284;p22"/>
           <p:cNvSpPr/>
           <p:nvPr/>
         </p:nvSpPr>
         <p:spPr>
           <a:xfrm>
-            <a:off x="7315684" y="1038996"/>
-            <a:ext cx="558900" cy="345600"/>
+            <a:off x="7228120" y="1039000"/>
+            <a:ext cx="888300" cy="345600"/>
           </a:xfrm>
           <a:prstGeom prst="rect">
             <a:avLst/>
@@ -9453,14 +9468,14 @@
       </p:sp>
       <p:sp>
         <p:nvSpPr>
-          <p:cNvPr id="278" name="Google Shape;278;p22"/>
+          <p:cNvPr id="285" name="Google Shape;285;p22"/>
           <p:cNvSpPr/>
           <p:nvPr/>
         </p:nvSpPr>
         <p:spPr>
           <a:xfrm>
-            <a:off x="6756675" y="1038996"/>
-            <a:ext cx="558900" cy="345600"/>
+            <a:off x="6756675" y="1039007"/>
+            <a:ext cx="603600" cy="345600"/>
           </a:xfrm>
           <a:prstGeom prst="rect">
             <a:avLst/>
@@ -9495,14 +9510,14 @@
       </p:sp>
       <p:sp>
         <p:nvSpPr>
-          <p:cNvPr id="279" name="Google Shape;279;p22"/>
+          <p:cNvPr id="286" name="Google Shape;286;p22"/>
           <p:cNvSpPr/>
           <p:nvPr/>
         </p:nvSpPr>
         <p:spPr>
           <a:xfrm>
-            <a:off x="7885725" y="1038988"/>
-            <a:ext cx="852000" cy="345600"/>
+            <a:off x="8128515" y="1038999"/>
+            <a:ext cx="920100" cy="345600"/>
           </a:xfrm>
           <a:prstGeom prst="rect">
             <a:avLst/>
@@ -9537,14 +9552,14 @@
       </p:sp>
       <p:sp>
         <p:nvSpPr>
-          <p:cNvPr id="280" name="Google Shape;280;p22"/>
+          <p:cNvPr id="287" name="Google Shape;287;p22"/>
           <p:cNvSpPr/>
           <p:nvPr/>
         </p:nvSpPr>
         <p:spPr>
           <a:xfrm>
-            <a:off x="7315684" y="1384608"/>
-            <a:ext cx="558900" cy="345600"/>
+            <a:off x="7228120" y="1384612"/>
+            <a:ext cx="888300" cy="345600"/>
           </a:xfrm>
           <a:prstGeom prst="rect">
             <a:avLst/>
@@ -9587,14 +9602,14 @@
       </p:sp>
       <p:sp>
         <p:nvSpPr>
-          <p:cNvPr id="281" name="Google Shape;281;p22"/>
+          <p:cNvPr id="288" name="Google Shape;288;p22"/>
           <p:cNvSpPr/>
           <p:nvPr/>
         </p:nvSpPr>
         <p:spPr>
           <a:xfrm>
-            <a:off x="7885725" y="1384600"/>
-            <a:ext cx="852000" cy="345600"/>
+            <a:off x="8128515" y="1384610"/>
+            <a:ext cx="920100" cy="345600"/>
           </a:xfrm>
           <a:prstGeom prst="rect">
             <a:avLst/>
@@ -9629,14 +9644,14 @@
       </p:sp>
       <p:sp>
         <p:nvSpPr>
-          <p:cNvPr id="282" name="Google Shape;282;p22"/>
+          <p:cNvPr id="289" name="Google Shape;289;p22"/>
           <p:cNvSpPr/>
           <p:nvPr/>
         </p:nvSpPr>
         <p:spPr>
           <a:xfrm>
-            <a:off x="7315684" y="1730196"/>
-            <a:ext cx="558900" cy="345600"/>
+            <a:off x="7228120" y="1730200"/>
+            <a:ext cx="888300" cy="345600"/>
           </a:xfrm>
           <a:prstGeom prst="rect">
             <a:avLst/>
@@ -9679,14 +9694,14 @@
       </p:sp>
       <p:sp>
         <p:nvSpPr>
-          <p:cNvPr id="283" name="Google Shape;283;p22"/>
+          <p:cNvPr id="290" name="Google Shape;290;p22"/>
           <p:cNvSpPr/>
           <p:nvPr/>
         </p:nvSpPr>
         <p:spPr>
           <a:xfrm>
-            <a:off x="6756675" y="1730196"/>
-            <a:ext cx="558900" cy="345600"/>
+            <a:off x="6756675" y="1730205"/>
+            <a:ext cx="603600" cy="345600"/>
           </a:xfrm>
           <a:prstGeom prst="rect">
             <a:avLst/>
@@ -9721,14 +9736,14 @@
       </p:sp>
       <p:sp>
         <p:nvSpPr>
-          <p:cNvPr id="284" name="Google Shape;284;p22"/>
+          <p:cNvPr id="291" name="Google Shape;291;p22"/>
           <p:cNvSpPr/>
           <p:nvPr/>
         </p:nvSpPr>
         <p:spPr>
           <a:xfrm>
-            <a:off x="7885725" y="1730188"/>
-            <a:ext cx="852000" cy="345600"/>
+            <a:off x="8128515" y="1730197"/>
+            <a:ext cx="920100" cy="345600"/>
           </a:xfrm>
           <a:prstGeom prst="rect">
             <a:avLst/>
@@ -9763,14 +9778,14 @@
       </p:sp>
       <p:sp>
         <p:nvSpPr>
-          <p:cNvPr id="285" name="Google Shape;285;p22"/>
+          <p:cNvPr id="292" name="Google Shape;292;p22"/>
           <p:cNvSpPr/>
           <p:nvPr/>
         </p:nvSpPr>
         <p:spPr>
           <a:xfrm>
-            <a:off x="7315684" y="2075808"/>
-            <a:ext cx="558900" cy="345600"/>
+            <a:off x="7228120" y="2075812"/>
+            <a:ext cx="888300" cy="345600"/>
           </a:xfrm>
           <a:prstGeom prst="rect">
             <a:avLst/>
@@ -9812,14 +9827,14 @@
       </p:sp>
       <p:sp>
         <p:nvSpPr>
-          <p:cNvPr id="286" name="Google Shape;286;p22"/>
+          <p:cNvPr id="293" name="Google Shape;293;p22"/>
           <p:cNvSpPr/>
           <p:nvPr/>
         </p:nvSpPr>
         <p:spPr>
           <a:xfrm>
-            <a:off x="7885725" y="2075800"/>
-            <a:ext cx="852000" cy="345600"/>
+            <a:off x="8128515" y="2075809"/>
+            <a:ext cx="920100" cy="345600"/>
           </a:xfrm>
           <a:prstGeom prst="rect">
             <a:avLst/>
@@ -9854,14 +9869,14 @@
       </p:sp>
       <p:sp>
         <p:nvSpPr>
-          <p:cNvPr id="287" name="Google Shape;287;p22"/>
+          <p:cNvPr id="294" name="Google Shape;294;p22"/>
           <p:cNvSpPr/>
           <p:nvPr/>
         </p:nvSpPr>
         <p:spPr>
           <a:xfrm>
-            <a:off x="7315684" y="2421396"/>
-            <a:ext cx="558900" cy="345600"/>
+            <a:off x="7228120" y="2421400"/>
+            <a:ext cx="888300" cy="345600"/>
           </a:xfrm>
           <a:prstGeom prst="rect">
             <a:avLst/>
@@ -9904,14 +9919,14 @@
       </p:sp>
       <p:sp>
         <p:nvSpPr>
-          <p:cNvPr id="288" name="Google Shape;288;p22"/>
+          <p:cNvPr id="295" name="Google Shape;295;p22"/>
           <p:cNvSpPr/>
           <p:nvPr/>
         </p:nvSpPr>
         <p:spPr>
           <a:xfrm>
-            <a:off x="6756675" y="2421396"/>
-            <a:ext cx="558900" cy="345600"/>
+            <a:off x="6756675" y="2421404"/>
+            <a:ext cx="603600" cy="345600"/>
           </a:xfrm>
           <a:prstGeom prst="rect">
             <a:avLst/>
@@ -9946,14 +9961,14 @@
       </p:sp>
       <p:sp>
         <p:nvSpPr>
-          <p:cNvPr id="289" name="Google Shape;289;p22"/>
+          <p:cNvPr id="296" name="Google Shape;296;p22"/>
           <p:cNvSpPr/>
           <p:nvPr/>
         </p:nvSpPr>
         <p:spPr>
           <a:xfrm>
-            <a:off x="7885725" y="2421388"/>
-            <a:ext cx="852000" cy="345600"/>
+            <a:off x="8128515" y="2421396"/>
+            <a:ext cx="920100" cy="345600"/>
           </a:xfrm>
           <a:prstGeom prst="rect">
             <a:avLst/>
@@ -9988,14 +10003,14 @@
       </p:sp>
       <p:sp>
         <p:nvSpPr>
-          <p:cNvPr id="290" name="Google Shape;290;p22"/>
+          <p:cNvPr id="297" name="Google Shape;297;p22"/>
           <p:cNvSpPr/>
           <p:nvPr/>
         </p:nvSpPr>
         <p:spPr>
           <a:xfrm>
-            <a:off x="7315684" y="2715508"/>
-            <a:ext cx="558900" cy="345600"/>
+            <a:off x="7228120" y="2715512"/>
+            <a:ext cx="888300" cy="345600"/>
           </a:xfrm>
           <a:prstGeom prst="rect">
             <a:avLst/>
@@ -10029,23 +10044,23 @@
               <a:buNone/>
             </a:pPr>
             <a:r>
-              <a:rPr lang="en" sz="900"/>
+              <a:rPr lang="en" sz="1300"/>
               <a:t>0x0006</a:t>
             </a:r>
-            <a:endParaRPr sz="900"/>
-          </a:p>
-        </p:txBody>
-      </p:sp>
-      <p:sp>
-        <p:nvSpPr>
-          <p:cNvPr id="291" name="Google Shape;291;p22"/>
+            <a:endParaRPr sz="1300"/>
+          </a:p>
+        </p:txBody>
+      </p:sp>
+      <p:sp>
+        <p:nvSpPr>
+          <p:cNvPr id="298" name="Google Shape;298;p22"/>
           <p:cNvSpPr/>
           <p:nvPr/>
         </p:nvSpPr>
         <p:spPr>
           <a:xfrm>
-            <a:off x="6756675" y="2715508"/>
-            <a:ext cx="558900" cy="345600"/>
+            <a:off x="6756675" y="2715515"/>
+            <a:ext cx="603600" cy="345600"/>
           </a:xfrm>
           <a:prstGeom prst="rect">
             <a:avLst/>
@@ -10080,14 +10095,14 @@
       </p:sp>
       <p:sp>
         <p:nvSpPr>
-          <p:cNvPr id="292" name="Google Shape;292;p22"/>
+          <p:cNvPr id="299" name="Google Shape;299;p22"/>
           <p:cNvSpPr/>
           <p:nvPr/>
         </p:nvSpPr>
         <p:spPr>
           <a:xfrm>
-            <a:off x="7885725" y="2715500"/>
-            <a:ext cx="852000" cy="345600"/>
+            <a:off x="8128515" y="2715507"/>
+            <a:ext cx="920100" cy="345600"/>
           </a:xfrm>
           <a:prstGeom prst="rect">
             <a:avLst/>
@@ -10122,14 +10137,14 @@
       </p:sp>
       <p:sp>
         <p:nvSpPr>
-          <p:cNvPr id="293" name="Google Shape;293;p22"/>
+          <p:cNvPr id="300" name="Google Shape;300;p22"/>
           <p:cNvSpPr/>
           <p:nvPr/>
         </p:nvSpPr>
         <p:spPr>
           <a:xfrm>
-            <a:off x="7315684" y="3061096"/>
-            <a:ext cx="558900" cy="345600"/>
+            <a:off x="7228120" y="3061099"/>
+            <a:ext cx="888300" cy="345600"/>
           </a:xfrm>
           <a:prstGeom prst="rect">
             <a:avLst/>
@@ -10172,14 +10187,14 @@
       </p:sp>
       <p:sp>
         <p:nvSpPr>
-          <p:cNvPr id="294" name="Google Shape;294;p22"/>
+          <p:cNvPr id="301" name="Google Shape;301;p22"/>
           <p:cNvSpPr/>
           <p:nvPr/>
         </p:nvSpPr>
         <p:spPr>
           <a:xfrm>
-            <a:off x="7885725" y="3061088"/>
-            <a:ext cx="852000" cy="345600"/>
+            <a:off x="8128515" y="3061094"/>
+            <a:ext cx="920100" cy="345600"/>
           </a:xfrm>
           <a:prstGeom prst="rect">
             <a:avLst/>
@@ -10214,14 +10229,14 @@
       </p:sp>
       <p:sp>
         <p:nvSpPr>
-          <p:cNvPr id="295" name="Google Shape;295;p22"/>
+          <p:cNvPr id="302" name="Google Shape;302;p22"/>
           <p:cNvSpPr/>
           <p:nvPr/>
         </p:nvSpPr>
         <p:spPr>
           <a:xfrm>
-            <a:off x="7315684" y="3406708"/>
-            <a:ext cx="558900" cy="345600"/>
+            <a:off x="7228120" y="3406712"/>
+            <a:ext cx="888300" cy="345600"/>
           </a:xfrm>
           <a:prstGeom prst="rect">
             <a:avLst/>
@@ -10264,14 +10279,14 @@
       </p:sp>
       <p:sp>
         <p:nvSpPr>
-          <p:cNvPr id="296" name="Google Shape;296;p22"/>
+          <p:cNvPr id="303" name="Google Shape;303;p22"/>
           <p:cNvSpPr/>
           <p:nvPr/>
         </p:nvSpPr>
         <p:spPr>
           <a:xfrm>
-            <a:off x="6756675" y="3406708"/>
-            <a:ext cx="558900" cy="345600"/>
+            <a:off x="6756675" y="3406714"/>
+            <a:ext cx="603600" cy="345600"/>
           </a:xfrm>
           <a:prstGeom prst="rect">
             <a:avLst/>
@@ -10306,14 +10321,14 @@
       </p:sp>
       <p:sp>
         <p:nvSpPr>
-          <p:cNvPr id="297" name="Google Shape;297;p22"/>
+          <p:cNvPr id="304" name="Google Shape;304;p22"/>
           <p:cNvSpPr/>
           <p:nvPr/>
         </p:nvSpPr>
         <p:spPr>
           <a:xfrm>
-            <a:off x="7885725" y="3406700"/>
-            <a:ext cx="852000" cy="345600"/>
+            <a:off x="8128515" y="3406706"/>
+            <a:ext cx="920100" cy="345600"/>
           </a:xfrm>
           <a:prstGeom prst="rect">
             <a:avLst/>
@@ -10348,14 +10363,14 @@
       </p:sp>
       <p:sp>
         <p:nvSpPr>
-          <p:cNvPr id="298" name="Google Shape;298;p22"/>
+          <p:cNvPr id="305" name="Google Shape;305;p22"/>
           <p:cNvSpPr/>
           <p:nvPr/>
         </p:nvSpPr>
         <p:spPr>
           <a:xfrm>
-            <a:off x="7315684" y="3752296"/>
-            <a:ext cx="558900" cy="345600"/>
+            <a:off x="7228120" y="3752299"/>
+            <a:ext cx="888300" cy="345600"/>
           </a:xfrm>
           <a:prstGeom prst="rect">
             <a:avLst/>
@@ -10390,22 +10405,22 @@
             </a:pPr>
             <a:r>
               <a:rPr lang="en"/>
-              <a:t>0</a:t>
-            </a:r>
-            <a:endParaRPr/>
-          </a:p>
-        </p:txBody>
-      </p:sp>
-      <p:sp>
-        <p:nvSpPr>
-          <p:cNvPr id="299" name="Google Shape;299;p22"/>
+              <a:t>42</a:t>
+            </a:r>
+            <a:endParaRPr/>
+          </a:p>
+        </p:txBody>
+      </p:sp>
+      <p:sp>
+        <p:nvSpPr>
+          <p:cNvPr id="306" name="Google Shape;306;p22"/>
           <p:cNvSpPr/>
           <p:nvPr/>
         </p:nvSpPr>
         <p:spPr>
           <a:xfrm>
-            <a:off x="7885725" y="3752288"/>
-            <a:ext cx="852000" cy="345600"/>
+            <a:off x="8128515" y="3752293"/>
+            <a:ext cx="920100" cy="345600"/>
           </a:xfrm>
           <a:prstGeom prst="rect">
             <a:avLst/>
@@ -10433,6 +10448,83 @@
             <a:r>
               <a:rPr lang="en"/>
               <a:t>0x0000</a:t>
+            </a:r>
+            <a:endParaRPr/>
+          </a:p>
+        </p:txBody>
+      </p:sp>
+      <p:cxnSp>
+        <p:nvCxnSpPr>
+          <p:cNvPr id="307" name="Google Shape;307;p22"/>
+          <p:cNvCxnSpPr>
+            <a:stCxn id="298" idx="1"/>
+            <a:endCxn id="290" idx="1"/>
+          </p:cNvCxnSpPr>
+          <p:nvPr/>
+        </p:nvCxnSpPr>
+        <p:spPr>
+          <a:xfrm flipH="1" rot="10800000">
+            <a:off x="6756675" y="1903115"/>
+            <a:ext cx="600" cy="985200"/>
+          </a:xfrm>
+          <a:prstGeom prst="curvedConnector3">
+            <a:avLst>
+              <a:gd fmla="val -39687500" name="adj1"/>
+            </a:avLst>
+          </a:prstGeom>
+          <a:noFill/>
+          <a:ln cap="flat" cmpd="sng" w="9525">
+            <a:solidFill>
+              <a:schemeClr val="dk2"/>
+            </a:solidFill>
+            <a:prstDash val="solid"/>
+            <a:round/>
+            <a:headEnd len="med" w="med" type="none"/>
+            <a:tailEnd len="med" w="med" type="triangle"/>
+          </a:ln>
+        </p:spPr>
+      </p:cxnSp>
+      <p:sp>
+        <p:nvSpPr>
+          <p:cNvPr id="308" name="Google Shape;308;p22"/>
+          <p:cNvSpPr txBox="1"/>
+          <p:nvPr/>
+        </p:nvSpPr>
+        <p:spPr>
+          <a:xfrm>
+            <a:off x="2812600" y="230550"/>
+            <a:ext cx="1259400" cy="400200"/>
+          </a:xfrm>
+          <a:prstGeom prst="rect">
+            <a:avLst/>
+          </a:prstGeom>
+          <a:noFill/>
+          <a:ln>
+            <a:noFill/>
+          </a:ln>
+        </p:spPr>
+        <p:txBody>
+          <a:bodyPr anchorCtr="0" anchor="t" bIns="91425" lIns="91425" spcFirstLastPara="1" rIns="91425" wrap="square" tIns="91425">
+            <a:spAutoFit/>
+          </a:bodyPr>
+          <a:lstStyle/>
+          <a:p>
+            <a:pPr indent="0" lvl="0" marL="0" rtl="0" algn="l">
+              <a:spcBef>
+                <a:spcPts val="0"/>
+              </a:spcBef>
+              <a:spcAft>
+                <a:spcPts val="0"/>
+              </a:spcAft>
+              <a:buNone/>
+            </a:pPr>
+            <a:r>
+              <a:rPr lang="en"/>
+              <a:t>* * </a:t>
+            </a:r>
+            <a:r>
+              <a:rPr lang="en"/>
+              <a:t>* p == 42 </a:t>
             </a:r>
             <a:endParaRPr/>
           </a:p>
@@ -11097,7 +11189,7 @@
         </p:nvSpPr>
         <p:spPr>
           <a:xfrm>
-            <a:off x="311700" y="1152475"/>
+            <a:off x="311700" y="1228675"/>
             <a:ext cx="8520600" cy="3416400"/>
           </a:xfrm>
           <a:prstGeom prst="rect">
@@ -13151,7 +13243,7 @@
         </p:nvSpPr>
         <p:spPr>
           <a:xfrm>
-            <a:off x="7809525" y="3975488"/>
+            <a:off x="7802300" y="4001238"/>
             <a:ext cx="852000" cy="345600"/>
           </a:xfrm>
           <a:prstGeom prst="rect">
@@ -13659,6 +13751,196 @@
           </a:ln>
         </p:spPr>
       </p:cxnSp>
+      <p:sp>
+        <p:nvSpPr>
+          <p:cNvPr id="167" name="Google Shape;167;p17"/>
+          <p:cNvSpPr txBox="1"/>
+          <p:nvPr/>
+        </p:nvSpPr>
+        <p:spPr>
+          <a:xfrm>
+            <a:off x="0" y="4489625"/>
+            <a:ext cx="5706300" cy="657900"/>
+          </a:xfrm>
+          <a:prstGeom prst="rect">
+            <a:avLst/>
+          </a:prstGeom>
+          <a:noFill/>
+          <a:ln cap="flat" cmpd="sng" w="9525">
+            <a:solidFill>
+              <a:srgbClr val="000000"/>
+            </a:solidFill>
+            <a:prstDash val="solid"/>
+            <a:round/>
+            <a:headEnd len="sm" w="sm" type="none"/>
+            <a:tailEnd len="sm" w="sm" type="none"/>
+          </a:ln>
+        </p:spPr>
+        <p:txBody>
+          <a:bodyPr anchorCtr="0" anchor="t" bIns="91425" lIns="91425" spcFirstLastPara="1" rIns="91425" wrap="square" tIns="91425">
+            <a:spAutoFit/>
+          </a:bodyPr>
+          <a:lstStyle/>
+          <a:p>
+            <a:pPr indent="0" lvl="0" marL="0" rtl="0" algn="l">
+              <a:lnSpc>
+                <a:spcPct val="156250"/>
+              </a:lnSpc>
+              <a:spcBef>
+                <a:spcPts val="300"/>
+              </a:spcBef>
+              <a:spcAft>
+                <a:spcPts val="0"/>
+              </a:spcAft>
+              <a:buNone/>
+            </a:pPr>
+            <a:r>
+              <a:rPr lang="en" sz="1200">
+                <a:solidFill>
+                  <a:schemeClr val="dk1"/>
+                </a:solidFill>
+                <a:latin typeface="Roboto"/>
+                <a:ea typeface="Roboto"/>
+                <a:cs typeface="Roboto"/>
+                <a:sym typeface="Roboto"/>
+              </a:rPr>
+              <a:t>Java:  File fd = </a:t>
+            </a:r>
+            <a:r>
+              <a:rPr b="1" lang="en" sz="1200">
+                <a:solidFill>
+                  <a:srgbClr val="006699"/>
+                </a:solidFill>
+                <a:latin typeface="Roboto"/>
+                <a:ea typeface="Roboto"/>
+                <a:cs typeface="Roboto"/>
+                <a:sym typeface="Roboto"/>
+              </a:rPr>
+              <a:t>new</a:t>
+            </a:r>
+            <a:r>
+              <a:rPr lang="en" sz="1200">
+                <a:solidFill>
+                  <a:schemeClr val="dk1"/>
+                </a:solidFill>
+                <a:latin typeface="Roboto"/>
+                <a:ea typeface="Roboto"/>
+                <a:cs typeface="Roboto"/>
+                <a:sym typeface="Roboto"/>
+              </a:rPr>
+              <a:t> scanner("/home/steve/filename");</a:t>
+            </a:r>
+            <a:br>
+              <a:rPr lang="en" sz="1200">
+                <a:solidFill>
+                  <a:schemeClr val="dk1"/>
+                </a:solidFill>
+                <a:latin typeface="Roboto"/>
+                <a:ea typeface="Roboto"/>
+                <a:cs typeface="Roboto"/>
+                <a:sym typeface="Roboto"/>
+              </a:rPr>
+            </a:br>
+            <a:r>
+              <a:rPr lang="en" sz="1200">
+                <a:solidFill>
+                  <a:schemeClr val="dk1"/>
+                </a:solidFill>
+                <a:latin typeface="Roboto"/>
+                <a:ea typeface="Roboto"/>
+                <a:cs typeface="Roboto"/>
+                <a:sym typeface="Roboto"/>
+              </a:rPr>
+              <a:t>           buffer = fd.nextByte();         //  in C: read(fd, &amp;buffer, 1)</a:t>
+            </a:r>
+            <a:endParaRPr/>
+          </a:p>
+        </p:txBody>
+      </p:sp>
+      <p:sp>
+        <p:nvSpPr>
+          <p:cNvPr id="168" name="Google Shape;168;p17"/>
+          <p:cNvSpPr/>
+          <p:nvPr/>
+        </p:nvSpPr>
+        <p:spPr>
+          <a:xfrm>
+            <a:off x="6139074" y="2247613"/>
+            <a:ext cx="948900" cy="345600"/>
+          </a:xfrm>
+          <a:prstGeom prst="rect">
+            <a:avLst/>
+          </a:prstGeom>
+          <a:noFill/>
+          <a:ln>
+            <a:noFill/>
+          </a:ln>
+        </p:spPr>
+        <p:txBody>
+          <a:bodyPr anchorCtr="0" anchor="ctr" bIns="91425" lIns="91425" spcFirstLastPara="1" rIns="91425" wrap="square" tIns="91425">
+            <a:noAutofit/>
+          </a:bodyPr>
+          <a:lstStyle/>
+          <a:p>
+            <a:pPr indent="0" lvl="0" marL="0" rtl="0" algn="l">
+              <a:spcBef>
+                <a:spcPts val="0"/>
+              </a:spcBef>
+              <a:spcAft>
+                <a:spcPts val="0"/>
+              </a:spcAft>
+              <a:buNone/>
+            </a:pPr>
+            <a:r>
+              <a:rPr lang="en"/>
+              <a:t>buffer[5]:</a:t>
+            </a:r>
+            <a:endParaRPr/>
+          </a:p>
+        </p:txBody>
+      </p:sp>
+      <p:sp>
+        <p:nvSpPr>
+          <p:cNvPr id="169" name="Google Shape;169;p17"/>
+          <p:cNvSpPr/>
+          <p:nvPr/>
+        </p:nvSpPr>
+        <p:spPr>
+          <a:xfrm>
+            <a:off x="6139074" y="2552413"/>
+            <a:ext cx="948900" cy="345600"/>
+          </a:xfrm>
+          <a:prstGeom prst="rect">
+            <a:avLst/>
+          </a:prstGeom>
+          <a:noFill/>
+          <a:ln>
+            <a:noFill/>
+          </a:ln>
+        </p:spPr>
+        <p:txBody>
+          <a:bodyPr anchorCtr="0" anchor="ctr" bIns="91425" lIns="91425" spcFirstLastPara="1" rIns="91425" wrap="square" tIns="91425">
+            <a:noAutofit/>
+          </a:bodyPr>
+          <a:lstStyle/>
+          <a:p>
+            <a:pPr indent="0" lvl="0" marL="0" rtl="0" algn="l">
+              <a:spcBef>
+                <a:spcPts val="0"/>
+              </a:spcBef>
+              <a:spcAft>
+                <a:spcPts val="0"/>
+              </a:spcAft>
+              <a:buNone/>
+            </a:pPr>
+            <a:r>
+              <a:rPr lang="en"/>
+              <a:t>buffer[4]:</a:t>
+            </a:r>
+            <a:endParaRPr/>
+          </a:p>
+        </p:txBody>
+      </p:sp>
     </p:spTree>
   </p:cSld>
   <p:clrMapOvr>
@@ -13672,7 +13954,7 @@
   <p:cSld>
     <p:spTree>
       <p:nvGrpSpPr>
-        <p:cNvPr id="170" name="Shape 170"/>
+        <p:cNvPr id="173" name="Shape 173"/>
         <p:cNvGrpSpPr/>
         <p:nvPr/>
       </p:nvGrpSpPr>
@@ -13686,7 +13968,7 @@
       </p:grpSpPr>
       <p:sp>
         <p:nvSpPr>
-          <p:cNvPr id="171" name="Google Shape;171;p18"/>
+          <p:cNvPr id="174" name="Google Shape;174;p18"/>
           <p:cNvSpPr txBox="1"/>
           <p:nvPr>
             <p:ph type="title"/>
@@ -13726,7 +14008,7 @@
       </p:sp>
       <p:sp>
         <p:nvSpPr>
-          <p:cNvPr id="172" name="Google Shape;172;p18"/>
+          <p:cNvPr id="175" name="Google Shape;175;p18"/>
           <p:cNvSpPr txBox="1"/>
           <p:nvPr>
             <p:ph idx="1" type="body"/>
@@ -13734,7 +14016,7 @@
         </p:nvSpPr>
         <p:spPr>
           <a:xfrm>
-            <a:off x="311700" y="1152475"/>
+            <a:off x="311700" y="1076275"/>
             <a:ext cx="8520600" cy="3416400"/>
           </a:xfrm>
           <a:prstGeom prst="rect">
@@ -13829,7 +14111,7 @@
       </p:sp>
       <p:sp>
         <p:nvSpPr>
-          <p:cNvPr id="173" name="Google Shape;173;p18"/>
+          <p:cNvPr id="176" name="Google Shape;176;p18"/>
           <p:cNvSpPr txBox="1"/>
           <p:nvPr/>
         </p:nvSpPr>
@@ -14053,7 +14335,7 @@
       </p:sp>
       <p:sp>
         <p:nvSpPr>
-          <p:cNvPr id="174" name="Google Shape;174;p18"/>
+          <p:cNvPr id="177" name="Google Shape;177;p18"/>
           <p:cNvSpPr txBox="1"/>
           <p:nvPr/>
         </p:nvSpPr>
@@ -14225,7 +14507,7 @@
       </p:sp>
       <p:sp>
         <p:nvSpPr>
-          <p:cNvPr id="175" name="Google Shape;175;p18"/>
+          <p:cNvPr id="178" name="Google Shape;178;p18"/>
           <p:cNvSpPr txBox="1"/>
           <p:nvPr/>
         </p:nvSpPr>
@@ -14276,7 +14558,19 @@
                 <a:cs typeface="Source Code Pro"/>
                 <a:sym typeface="Source Code Pro"/>
               </a:rPr>
-              <a:t>byte header[10];</a:t>
+              <a:t>byte</a:t>
+            </a:r>
+            <a:r>
+              <a:rPr lang="en" sz="1200">
+                <a:solidFill>
+                  <a:schemeClr val="dk1"/>
+                </a:solidFill>
+                <a:latin typeface="Source Code Pro"/>
+                <a:ea typeface="Source Code Pro"/>
+                <a:cs typeface="Source Code Pro"/>
+                <a:sym typeface="Source Code Pro"/>
+              </a:rPr>
+              <a:t> header[10];</a:t>
             </a:r>
             <a:endParaRPr sz="1200">
               <a:solidFill>
@@ -14392,6 +14686,106 @@
           </a:p>
         </p:txBody>
       </p:sp>
+      <p:sp>
+        <p:nvSpPr>
+          <p:cNvPr id="179" name="Google Shape;179;p18"/>
+          <p:cNvSpPr txBox="1"/>
+          <p:nvPr/>
+        </p:nvSpPr>
+        <p:spPr>
+          <a:xfrm>
+            <a:off x="5486400" y="3839975"/>
+            <a:ext cx="3511200" cy="384900"/>
+          </a:xfrm>
+          <a:prstGeom prst="rect">
+            <a:avLst/>
+          </a:prstGeom>
+          <a:noFill/>
+          <a:ln cap="flat" cmpd="sng" w="9525">
+            <a:solidFill>
+              <a:srgbClr val="000000"/>
+            </a:solidFill>
+            <a:prstDash val="solid"/>
+            <a:round/>
+            <a:headEnd len="sm" w="sm" type="none"/>
+            <a:tailEnd len="sm" w="sm" type="none"/>
+          </a:ln>
+        </p:spPr>
+        <p:txBody>
+          <a:bodyPr anchorCtr="0" anchor="t" bIns="91425" lIns="91425" spcFirstLastPara="1" rIns="91425" wrap="square" tIns="91425">
+            <a:spAutoFit/>
+          </a:bodyPr>
+          <a:lstStyle/>
+          <a:p>
+            <a:pPr indent="0" lvl="0" marL="0" rtl="0" algn="l">
+              <a:lnSpc>
+                <a:spcPct val="115000"/>
+              </a:lnSpc>
+              <a:spcBef>
+                <a:spcPts val="0"/>
+              </a:spcBef>
+              <a:spcAft>
+                <a:spcPts val="1200"/>
+              </a:spcAft>
+              <a:buClr>
+                <a:schemeClr val="dk1"/>
+              </a:buClr>
+              <a:buSzPts val="1100"/>
+              <a:buFont typeface="Arial"/>
+              <a:buNone/>
+            </a:pPr>
+            <a:r>
+              <a:rPr lang="en" sz="1300">
+                <a:solidFill>
+                  <a:schemeClr val="dk2"/>
+                </a:solidFill>
+                <a:latin typeface="Source Code Pro"/>
+                <a:ea typeface="Source Code Pro"/>
+                <a:cs typeface="Source Code Pro"/>
+                <a:sym typeface="Source Code Pro"/>
+              </a:rPr>
+              <a:t>retval = read(fd, &amp;header, 10); </a:t>
+            </a:r>
+            <a:endParaRPr sz="1300">
+              <a:latin typeface="Source Code Pro"/>
+              <a:ea typeface="Source Code Pro"/>
+              <a:cs typeface="Source Code Pro"/>
+              <a:sym typeface="Source Code Pro"/>
+            </a:endParaRPr>
+          </a:p>
+        </p:txBody>
+      </p:sp>
+      <p:cxnSp>
+        <p:nvCxnSpPr>
+          <p:cNvPr id="180" name="Google Shape;180;p18"/>
+          <p:cNvCxnSpPr>
+            <a:stCxn id="178" idx="3"/>
+            <a:endCxn id="179" idx="1"/>
+          </p:cNvCxnSpPr>
+          <p:nvPr/>
+        </p:nvCxnSpPr>
+        <p:spPr>
+          <a:xfrm flipH="1" rot="10800000">
+            <a:off x="4044025" y="4032550"/>
+            <a:ext cx="1442400" cy="6000"/>
+          </a:xfrm>
+          <a:prstGeom prst="curvedConnector3">
+            <a:avLst>
+              <a:gd fmla="val 49999" name="adj1"/>
+            </a:avLst>
+          </a:prstGeom>
+          <a:noFill/>
+          <a:ln cap="flat" cmpd="sng" w="9525">
+            <a:solidFill>
+              <a:schemeClr val="dk2"/>
+            </a:solidFill>
+            <a:prstDash val="solid"/>
+            <a:round/>
+            <a:headEnd len="med" w="med" type="none"/>
+            <a:tailEnd len="med" w="med" type="triangle"/>
+          </a:ln>
+        </p:spPr>
+      </p:cxnSp>
     </p:spTree>
   </p:cSld>
   <p:clrMapOvr>
@@ -14405,7 +14799,7 @@
   <p:cSld>
     <p:spTree>
       <p:nvGrpSpPr>
-        <p:cNvPr id="179" name="Shape 179"/>
+        <p:cNvPr id="184" name="Shape 184"/>
         <p:cNvGrpSpPr/>
         <p:nvPr/>
       </p:nvGrpSpPr>
@@ -14419,7 +14813,7 @@
       </p:grpSpPr>
       <p:sp>
         <p:nvSpPr>
-          <p:cNvPr id="180" name="Google Shape;180;p19"/>
+          <p:cNvPr id="185" name="Google Shape;185;p19"/>
           <p:cNvSpPr txBox="1"/>
           <p:nvPr>
             <p:ph type="title"/>
@@ -14467,7 +14861,7 @@
       </p:sp>
       <p:sp>
         <p:nvSpPr>
-          <p:cNvPr id="181" name="Google Shape;181;p19"/>
+          <p:cNvPr id="186" name="Google Shape;186;p19"/>
           <p:cNvSpPr txBox="1"/>
           <p:nvPr>
             <p:ph idx="1" type="body"/>
@@ -14574,7 +14968,7 @@
       </p:sp>
       <p:sp>
         <p:nvSpPr>
-          <p:cNvPr id="182" name="Google Shape;182;p19"/>
+          <p:cNvPr id="187" name="Google Shape;187;p19"/>
           <p:cNvSpPr txBox="1"/>
           <p:nvPr/>
         </p:nvSpPr>
@@ -14778,14 +15172,14 @@
       </p:sp>
       <p:sp>
         <p:nvSpPr>
-          <p:cNvPr id="183" name="Google Shape;183;p19"/>
+          <p:cNvPr id="188" name="Google Shape;188;p19"/>
           <p:cNvSpPr txBox="1"/>
           <p:nvPr/>
         </p:nvSpPr>
         <p:spPr>
           <a:xfrm>
             <a:off x="367800" y="1565250"/>
-            <a:ext cx="4204200" cy="794100"/>
+            <a:ext cx="4906800" cy="794100"/>
           </a:xfrm>
           <a:prstGeom prst="rect">
             <a:avLst/>
@@ -14890,7 +15284,7 @@
                 <a:cs typeface="Source Code Pro"/>
                 <a:sym typeface="Source Code Pro"/>
               </a:rPr>
-              <a:t>read(</a:t>
+              <a:t>retval = read(</a:t>
             </a:r>
             <a:r>
               <a:rPr lang="en" sz="1200">
@@ -14910,7 +15304,31 @@
                 <a:cs typeface="Source Code Pro"/>
                 <a:sym typeface="Source Code Pro"/>
               </a:rPr>
-              <a:t>, (void *) &amp;header, 10);</a:t>
+              <a:t>, </a:t>
+            </a:r>
+            <a:r>
+              <a:rPr lang="en" sz="1200">
+                <a:solidFill>
+                  <a:schemeClr val="dk1"/>
+                </a:solidFill>
+                <a:latin typeface="Source Code Pro"/>
+                <a:ea typeface="Source Code Pro"/>
+                <a:cs typeface="Source Code Pro"/>
+                <a:sym typeface="Source Code Pro"/>
+              </a:rPr>
+              <a:t>(void *) &amp;header</a:t>
+            </a:r>
+            <a:r>
+              <a:rPr lang="en" sz="1200">
+                <a:solidFill>
+                  <a:schemeClr val="dk1"/>
+                </a:solidFill>
+                <a:latin typeface="Source Code Pro"/>
+                <a:ea typeface="Source Code Pro"/>
+                <a:cs typeface="Source Code Pro"/>
+                <a:sym typeface="Source Code Pro"/>
+              </a:rPr>
+              <a:t>, 10);</a:t>
             </a:r>
             <a:endParaRPr>
               <a:latin typeface="Source Code Pro"/>
@@ -14923,7 +15341,7 @@
       </p:sp>
       <p:sp>
         <p:nvSpPr>
-          <p:cNvPr id="184" name="Google Shape;184;p19"/>
+          <p:cNvPr id="189" name="Google Shape;189;p19"/>
           <p:cNvSpPr txBox="1"/>
           <p:nvPr/>
         </p:nvSpPr>
@@ -15073,13 +15491,13 @@
       </p:sp>
       <p:sp>
         <p:nvSpPr>
-          <p:cNvPr id="185" name="Google Shape;185;p19"/>
+          <p:cNvPr id="190" name="Google Shape;190;p19"/>
           <p:cNvSpPr txBox="1"/>
           <p:nvPr/>
         </p:nvSpPr>
         <p:spPr>
           <a:xfrm>
-            <a:off x="5568875" y="3049925"/>
+            <a:off x="4889700" y="3365150"/>
             <a:ext cx="869400" cy="400200"/>
           </a:xfrm>
           <a:prstGeom prst="rect">
@@ -15121,7 +15539,7 @@
       </p:sp>
       <p:sp>
         <p:nvSpPr>
-          <p:cNvPr id="186" name="Google Shape;186;p19"/>
+          <p:cNvPr id="191" name="Google Shape;191;p19"/>
           <p:cNvSpPr/>
           <p:nvPr/>
         </p:nvSpPr>
@@ -15176,7 +15594,7 @@
       </p:sp>
       <p:sp>
         <p:nvSpPr>
-          <p:cNvPr id="187" name="Google Shape;187;p19"/>
+          <p:cNvPr id="192" name="Google Shape;192;p19"/>
           <p:cNvSpPr/>
           <p:nvPr/>
         </p:nvSpPr>
@@ -15218,7 +15636,7 @@
       </p:sp>
       <p:sp>
         <p:nvSpPr>
-          <p:cNvPr id="188" name="Google Shape;188;p19"/>
+          <p:cNvPr id="193" name="Google Shape;193;p19"/>
           <p:cNvSpPr/>
           <p:nvPr/>
         </p:nvSpPr>
@@ -15268,7 +15686,7 @@
       </p:sp>
       <p:sp>
         <p:nvSpPr>
-          <p:cNvPr id="189" name="Google Shape;189;p19"/>
+          <p:cNvPr id="194" name="Google Shape;194;p19"/>
           <p:cNvSpPr/>
           <p:nvPr/>
         </p:nvSpPr>
@@ -15310,7 +15728,7 @@
       </p:sp>
       <p:sp>
         <p:nvSpPr>
-          <p:cNvPr id="190" name="Google Shape;190;p19"/>
+          <p:cNvPr id="195" name="Google Shape;195;p19"/>
           <p:cNvSpPr/>
           <p:nvPr/>
         </p:nvSpPr>
@@ -15360,7 +15778,7 @@
       </p:sp>
       <p:sp>
         <p:nvSpPr>
-          <p:cNvPr id="191" name="Google Shape;191;p19"/>
+          <p:cNvPr id="196" name="Google Shape;196;p19"/>
           <p:cNvSpPr/>
           <p:nvPr/>
         </p:nvSpPr>
@@ -15402,7 +15820,7 @@
       </p:sp>
       <p:sp>
         <p:nvSpPr>
-          <p:cNvPr id="192" name="Google Shape;192;p19"/>
+          <p:cNvPr id="197" name="Google Shape;197;p19"/>
           <p:cNvSpPr/>
           <p:nvPr/>
         </p:nvSpPr>
@@ -15452,7 +15870,7 @@
       </p:sp>
       <p:sp>
         <p:nvSpPr>
-          <p:cNvPr id="193" name="Google Shape;193;p19"/>
+          <p:cNvPr id="198" name="Google Shape;198;p19"/>
           <p:cNvSpPr/>
           <p:nvPr/>
         </p:nvSpPr>
@@ -15494,7 +15912,7 @@
       </p:sp>
       <p:sp>
         <p:nvSpPr>
-          <p:cNvPr id="194" name="Google Shape;194;p19"/>
+          <p:cNvPr id="199" name="Google Shape;199;p19"/>
           <p:cNvSpPr/>
           <p:nvPr/>
         </p:nvSpPr>
@@ -15544,7 +15962,7 @@
       </p:sp>
       <p:sp>
         <p:nvSpPr>
-          <p:cNvPr id="195" name="Google Shape;195;p19"/>
+          <p:cNvPr id="200" name="Google Shape;200;p19"/>
           <p:cNvSpPr/>
           <p:nvPr/>
         </p:nvSpPr>
@@ -15586,7 +16004,7 @@
       </p:sp>
       <p:sp>
         <p:nvSpPr>
-          <p:cNvPr id="196" name="Google Shape;196;p19"/>
+          <p:cNvPr id="201" name="Google Shape;201;p19"/>
           <p:cNvSpPr/>
           <p:nvPr/>
         </p:nvSpPr>
@@ -15636,7 +16054,7 @@
       </p:sp>
       <p:sp>
         <p:nvSpPr>
-          <p:cNvPr id="197" name="Google Shape;197;p19"/>
+          <p:cNvPr id="202" name="Google Shape;202;p19"/>
           <p:cNvSpPr/>
           <p:nvPr/>
         </p:nvSpPr>
@@ -15678,7 +16096,7 @@
       </p:sp>
       <p:sp>
         <p:nvSpPr>
-          <p:cNvPr id="198" name="Google Shape;198;p19"/>
+          <p:cNvPr id="203" name="Google Shape;203;p19"/>
           <p:cNvSpPr/>
           <p:nvPr/>
         </p:nvSpPr>
@@ -15720,7 +16138,7 @@
       </p:sp>
       <p:sp>
         <p:nvSpPr>
-          <p:cNvPr id="199" name="Google Shape;199;p19"/>
+          <p:cNvPr id="204" name="Google Shape;204;p19"/>
           <p:cNvSpPr/>
           <p:nvPr/>
         </p:nvSpPr>
@@ -15770,7 +16188,7 @@
       </p:sp>
       <p:sp>
         <p:nvSpPr>
-          <p:cNvPr id="200" name="Google Shape;200;p19"/>
+          <p:cNvPr id="205" name="Google Shape;205;p19"/>
           <p:cNvSpPr/>
           <p:nvPr/>
         </p:nvSpPr>
@@ -15812,7 +16230,7 @@
       </p:sp>
       <p:sp>
         <p:nvSpPr>
-          <p:cNvPr id="201" name="Google Shape;201;p19"/>
+          <p:cNvPr id="206" name="Google Shape;206;p19"/>
           <p:cNvSpPr/>
           <p:nvPr/>
         </p:nvSpPr>
@@ -15862,7 +16280,7 @@
       </p:sp>
       <p:sp>
         <p:nvSpPr>
-          <p:cNvPr id="202" name="Google Shape;202;p19"/>
+          <p:cNvPr id="207" name="Google Shape;207;p19"/>
           <p:cNvSpPr/>
           <p:nvPr/>
         </p:nvSpPr>
@@ -15904,7 +16322,7 @@
       </p:sp>
       <p:sp>
         <p:nvSpPr>
-          <p:cNvPr id="203" name="Google Shape;203;p19"/>
+          <p:cNvPr id="208" name="Google Shape;208;p19"/>
           <p:cNvSpPr/>
           <p:nvPr/>
         </p:nvSpPr>
@@ -15954,7 +16372,7 @@
       </p:sp>
       <p:sp>
         <p:nvSpPr>
-          <p:cNvPr id="204" name="Google Shape;204;p19"/>
+          <p:cNvPr id="209" name="Google Shape;209;p19"/>
           <p:cNvSpPr/>
           <p:nvPr/>
         </p:nvSpPr>
@@ -15996,7 +16414,7 @@
       </p:sp>
       <p:sp>
         <p:nvSpPr>
-          <p:cNvPr id="205" name="Google Shape;205;p19"/>
+          <p:cNvPr id="210" name="Google Shape;210;p19"/>
           <p:cNvSpPr/>
           <p:nvPr/>
         </p:nvSpPr>
@@ -16045,7 +16463,7 @@
       </p:sp>
       <p:sp>
         <p:nvSpPr>
-          <p:cNvPr id="206" name="Google Shape;206;p19"/>
+          <p:cNvPr id="211" name="Google Shape;211;p19"/>
           <p:cNvSpPr/>
           <p:nvPr/>
         </p:nvSpPr>
@@ -16087,21 +16505,21 @@
       </p:sp>
       <p:cxnSp>
         <p:nvCxnSpPr>
-          <p:cNvPr id="207" name="Google Shape;207;p19"/>
+          <p:cNvPr id="212" name="Google Shape;212;p19"/>
           <p:cNvCxnSpPr>
-            <a:stCxn id="185" idx="3"/>
-            <a:endCxn id="203" idx="1"/>
+            <a:stCxn id="190" idx="3"/>
+            <a:endCxn id="208" idx="1"/>
           </p:cNvCxnSpPr>
           <p:nvPr/>
         </p:nvCxnSpPr>
         <p:spPr>
           <a:xfrm>
-            <a:off x="6438275" y="3250025"/>
-            <a:ext cx="798300" cy="1222800"/>
+            <a:off x="5759100" y="3565250"/>
+            <a:ext cx="1477500" cy="907500"/>
           </a:xfrm>
           <a:prstGeom prst="curvedConnector3">
             <a:avLst>
-              <a:gd fmla="val 50002" name="adj1"/>
+              <a:gd fmla="val 50000" name="adj1"/>
             </a:avLst>
           </a:prstGeom>
           <a:noFill/>
@@ -16118,7 +16536,7 @@
       </p:cxnSp>
       <p:sp>
         <p:nvSpPr>
-          <p:cNvPr id="208" name="Google Shape;208;p19"/>
+          <p:cNvPr id="213" name="Google Shape;213;p19"/>
           <p:cNvSpPr/>
           <p:nvPr/>
         </p:nvSpPr>
@@ -16168,7 +16586,7 @@
       </p:sp>
       <p:sp>
         <p:nvSpPr>
-          <p:cNvPr id="209" name="Google Shape;209;p19"/>
+          <p:cNvPr id="214" name="Google Shape;214;p19"/>
           <p:cNvSpPr/>
           <p:nvPr/>
         </p:nvSpPr>
@@ -16233,7 +16651,7 @@
   <p:cSld>
     <p:spTree>
       <p:nvGrpSpPr>
-        <p:cNvPr id="213" name="Shape 213"/>
+        <p:cNvPr id="218" name="Shape 218"/>
         <p:cNvGrpSpPr/>
         <p:nvPr/>
       </p:nvGrpSpPr>
@@ -16247,7 +16665,7 @@
       </p:grpSpPr>
       <p:sp>
         <p:nvSpPr>
-          <p:cNvPr id="214" name="Google Shape;214;p20"/>
+          <p:cNvPr id="219" name="Google Shape;219;p20"/>
           <p:cNvSpPr txBox="1"/>
           <p:nvPr>
             <p:ph type="title"/>
@@ -16287,7 +16705,7 @@
       </p:sp>
       <p:sp>
         <p:nvSpPr>
-          <p:cNvPr id="215" name="Google Shape;215;p20"/>
+          <p:cNvPr id="220" name="Google Shape;220;p20"/>
           <p:cNvSpPr txBox="1"/>
           <p:nvPr>
             <p:ph idx="1" type="body"/>
@@ -16370,7 +16788,23 @@
             </a:pPr>
             <a:r>
               <a:rPr lang="en"/>
-              <a:t>		c = c + 1;</a:t>
+              <a:t>		c</a:t>
+            </a:r>
+            <a:r>
+              <a:rPr lang="en"/>
+              <a:t> </a:t>
+            </a:r>
+            <a:r>
+              <a:rPr lang="en"/>
+              <a:t>= c</a:t>
+            </a:r>
+            <a:r>
+              <a:rPr lang="en"/>
+              <a:t> </a:t>
+            </a:r>
+            <a:r>
+              <a:rPr lang="en"/>
+              <a:t>+ 1  	 </a:t>
             </a:r>
             <a:endParaRPr/>
           </a:p>
@@ -16457,7 +16891,15 @@
             </a:pPr>
             <a:r>
               <a:rPr lang="en"/>
-              <a:t>		int * p  = &amp; c;</a:t>
+              <a:t>		</a:t>
+            </a:r>
+            <a:r>
+              <a:rPr lang="en"/>
+              <a:t>int *   </a:t>
+            </a:r>
+            <a:r>
+              <a:rPr lang="en"/>
+              <a:t>p  = &amp; c;</a:t>
             </a:r>
             <a:endParaRPr/>
           </a:p>
@@ -16474,15 +16916,19 @@
             </a:pPr>
             <a:r>
               <a:rPr lang="en"/>
-              <a:t>Hold that thought!    (* p ) == 2</a:t>
-            </a:r>
-            <a:endParaRPr/>
-          </a:p>
-        </p:txBody>
-      </p:sp>
-      <p:sp>
-        <p:nvSpPr>
-          <p:cNvPr id="216" name="Google Shape;216;p20"/>
+              <a:t>Hold that thought!    (* p ) == </a:t>
+            </a:r>
+            <a:r>
+              <a:rPr lang="en"/>
+              <a:t>2</a:t>
+            </a:r>
+            <a:endParaRPr/>
+          </a:p>
+        </p:txBody>
+      </p:sp>
+      <p:sp>
+        <p:nvSpPr>
+          <p:cNvPr id="221" name="Google Shape;221;p20"/>
           <p:cNvSpPr/>
           <p:nvPr/>
         </p:nvSpPr>
@@ -16513,26 +16959,26 @@
           </a:bodyPr>
           <a:lstStyle/>
           <a:p>
-            <a:pPr indent="0" lvl="0" marL="0" rtl="0" algn="ctr">
-              <a:spcBef>
-                <a:spcPts val="0"/>
-              </a:spcBef>
-              <a:spcAft>
-                <a:spcPts val="0"/>
-              </a:spcAft>
-              <a:buNone/>
-            </a:pPr>
-            <a:r>
-              <a:rPr b="1" lang="en"/>
-              <a:t>&amp;c</a:t>
-            </a:r>
-            <a:endParaRPr b="1"/>
-          </a:p>
-        </p:txBody>
-      </p:sp>
-      <p:sp>
-        <p:nvSpPr>
-          <p:cNvPr id="217" name="Google Shape;217;p20"/>
+            <a:pPr indent="0" lvl="0" marL="0" rtl="0" algn="l">
+              <a:spcBef>
+                <a:spcPts val="0"/>
+              </a:spcBef>
+              <a:spcAft>
+                <a:spcPts val="0"/>
+              </a:spcAft>
+              <a:buNone/>
+            </a:pPr>
+            <a:r>
+              <a:rPr lang="en" sz="1000"/>
+              <a:t>0x0006</a:t>
+            </a:r>
+            <a:endParaRPr sz="1000"/>
+          </a:p>
+        </p:txBody>
+      </p:sp>
+      <p:sp>
+        <p:nvSpPr>
+          <p:cNvPr id="222" name="Google Shape;222;p20"/>
           <p:cNvSpPr/>
           <p:nvPr/>
         </p:nvSpPr>
@@ -16578,13 +17024,13 @@
       </p:sp>
       <p:sp>
         <p:nvSpPr>
-          <p:cNvPr id="218" name="Google Shape;218;p20"/>
+          <p:cNvPr id="223" name="Google Shape;223;p20"/>
           <p:cNvSpPr/>
           <p:nvPr/>
         </p:nvSpPr>
         <p:spPr>
           <a:xfrm>
-            <a:off x="1304350" y="5143500"/>
+            <a:off x="3231125" y="4011875"/>
             <a:ext cx="360000" cy="324000"/>
           </a:xfrm>
           <a:prstGeom prst="rect">
@@ -16627,7 +17073,7 @@
       </p:sp>
       <p:sp>
         <p:nvSpPr>
-          <p:cNvPr id="219" name="Google Shape;219;p20"/>
+          <p:cNvPr id="224" name="Google Shape;224;p20"/>
           <p:cNvSpPr/>
           <p:nvPr/>
         </p:nvSpPr>
@@ -16677,7 +17123,7 @@
       </p:sp>
       <p:sp>
         <p:nvSpPr>
-          <p:cNvPr id="220" name="Google Shape;220;p20"/>
+          <p:cNvPr id="225" name="Google Shape;225;p20"/>
           <p:cNvSpPr/>
           <p:nvPr/>
         </p:nvSpPr>
@@ -16719,7 +17165,7 @@
       </p:sp>
       <p:sp>
         <p:nvSpPr>
-          <p:cNvPr id="221" name="Google Shape;221;p20"/>
+          <p:cNvPr id="226" name="Google Shape;226;p20"/>
           <p:cNvSpPr/>
           <p:nvPr/>
         </p:nvSpPr>
@@ -16769,7 +17215,7 @@
       </p:sp>
       <p:sp>
         <p:nvSpPr>
-          <p:cNvPr id="222" name="Google Shape;222;p20"/>
+          <p:cNvPr id="227" name="Google Shape;227;p20"/>
           <p:cNvSpPr/>
           <p:nvPr/>
         </p:nvSpPr>
@@ -16819,10 +17265,10 @@
       </p:sp>
       <p:cxnSp>
         <p:nvCxnSpPr>
-          <p:cNvPr id="223" name="Google Shape;223;p20"/>
+          <p:cNvPr id="228" name="Google Shape;228;p20"/>
           <p:cNvCxnSpPr>
-            <a:stCxn id="221" idx="2"/>
-            <a:endCxn id="220" idx="0"/>
+            <a:stCxn id="226" idx="2"/>
+            <a:endCxn id="225" idx="0"/>
           </p:cNvCxnSpPr>
           <p:nvPr/>
         </p:nvCxnSpPr>
@@ -16850,10 +17296,10 @@
       </p:cxnSp>
       <p:cxnSp>
         <p:nvCxnSpPr>
-          <p:cNvPr id="224" name="Google Shape;224;p20"/>
+          <p:cNvPr id="229" name="Google Shape;229;p20"/>
           <p:cNvCxnSpPr>
-            <a:stCxn id="222" idx="2"/>
-            <a:endCxn id="219" idx="0"/>
+            <a:stCxn id="227" idx="2"/>
+            <a:endCxn id="224" idx="0"/>
           </p:cNvCxnSpPr>
           <p:nvPr/>
         </p:nvCxnSpPr>
@@ -16879,6 +17325,155 @@
           </a:ln>
         </p:spPr>
       </p:cxnSp>
+      <p:sp>
+        <p:nvSpPr>
+          <p:cNvPr id="230" name="Google Shape;230;p20"/>
+          <p:cNvSpPr txBox="1"/>
+          <p:nvPr/>
+        </p:nvSpPr>
+        <p:spPr>
+          <a:xfrm>
+            <a:off x="6406400" y="154650"/>
+            <a:ext cx="2906100" cy="1108200"/>
+          </a:xfrm>
+          <a:prstGeom prst="rect">
+            <a:avLst/>
+          </a:prstGeom>
+          <a:noFill/>
+          <a:ln cap="flat" cmpd="sng" w="9525">
+            <a:solidFill>
+              <a:srgbClr val="000000"/>
+            </a:solidFill>
+            <a:prstDash val="solid"/>
+            <a:round/>
+            <a:headEnd len="sm" w="sm" type="none"/>
+            <a:tailEnd len="sm" w="sm" type="none"/>
+          </a:ln>
+        </p:spPr>
+        <p:txBody>
+          <a:bodyPr anchorCtr="0" anchor="t" bIns="91425" lIns="91425" spcFirstLastPara="1" rIns="91425" wrap="square" tIns="91425">
+            <a:spAutoFit/>
+          </a:bodyPr>
+          <a:lstStyle/>
+          <a:p>
+            <a:pPr indent="-304800" lvl="0" marL="457200" rtl="0" algn="l">
+              <a:spcBef>
+                <a:spcPts val="0"/>
+              </a:spcBef>
+              <a:spcAft>
+                <a:spcPts val="0"/>
+              </a:spcAft>
+              <a:buSzPts val="1200"/>
+              <a:buAutoNum type="arabicPeriod"/>
+            </a:pPr>
+            <a:r>
+              <a:rPr lang="en" sz="1200"/>
+              <a:t>determine the right value of c</a:t>
+            </a:r>
+            <a:endParaRPr sz="1200"/>
+          </a:p>
+          <a:p>
+            <a:pPr indent="-304800" lvl="0" marL="457200" rtl="0" algn="l">
+              <a:spcBef>
+                <a:spcPts val="0"/>
+              </a:spcBef>
+              <a:spcAft>
+                <a:spcPts val="0"/>
+              </a:spcAft>
+              <a:buSzPts val="1200"/>
+              <a:buAutoNum type="arabicPeriod"/>
+            </a:pPr>
+            <a:r>
+              <a:rPr lang="en" sz="1200"/>
+              <a:t>add 1 to that value</a:t>
+            </a:r>
+            <a:endParaRPr sz="1200"/>
+          </a:p>
+          <a:p>
+            <a:pPr indent="-304800" lvl="0" marL="457200" rtl="0" algn="l">
+              <a:spcBef>
+                <a:spcPts val="0"/>
+              </a:spcBef>
+              <a:spcAft>
+                <a:spcPts val="0"/>
+              </a:spcAft>
+              <a:buSzPts val="1200"/>
+              <a:buAutoNum type="arabicPeriod"/>
+            </a:pPr>
+            <a:r>
+              <a:rPr lang="en" sz="1200"/>
+              <a:t>find the location of c in memory</a:t>
+            </a:r>
+            <a:endParaRPr sz="1200"/>
+          </a:p>
+          <a:p>
+            <a:pPr indent="-304800" lvl="0" marL="457200" rtl="0" algn="l">
+              <a:spcBef>
+                <a:spcPts val="0"/>
+              </a:spcBef>
+              <a:spcAft>
+                <a:spcPts val="0"/>
+              </a:spcAft>
+              <a:buSzPts val="1200"/>
+              <a:buAutoNum type="arabicPeriod"/>
+            </a:pPr>
+            <a:r>
+              <a:rPr lang="en" sz="1200"/>
+              <a:t>write the value from #2 into </a:t>
+            </a:r>
+            <a:br>
+              <a:rPr lang="en" sz="1200"/>
+            </a:br>
+            <a:r>
+              <a:rPr lang="en" sz="1200"/>
+              <a:t>the location of c</a:t>
+            </a:r>
+            <a:endParaRPr sz="1200"/>
+          </a:p>
+        </p:txBody>
+      </p:sp>
+      <p:sp>
+        <p:nvSpPr>
+          <p:cNvPr id="231" name="Google Shape;231;p20"/>
+          <p:cNvSpPr/>
+          <p:nvPr/>
+        </p:nvSpPr>
+        <p:spPr>
+          <a:xfrm>
+            <a:off x="5717470" y="2205503"/>
+            <a:ext cx="745800" cy="302400"/>
+          </a:xfrm>
+          <a:prstGeom prst="rect">
+            <a:avLst/>
+          </a:prstGeom>
+          <a:noFill/>
+          <a:ln>
+            <a:noFill/>
+          </a:ln>
+        </p:spPr>
+        <p:txBody>
+          <a:bodyPr anchorCtr="0" anchor="ctr" bIns="91425" lIns="91425" spcFirstLastPara="1" rIns="91425" wrap="square" tIns="91425">
+            <a:noAutofit/>
+          </a:bodyPr>
+          <a:lstStyle/>
+          <a:p>
+            <a:pPr indent="0" lvl="0" marL="0" rtl="0" algn="l">
+              <a:spcBef>
+                <a:spcPts val="0"/>
+              </a:spcBef>
+              <a:spcAft>
+                <a:spcPts val="0"/>
+              </a:spcAft>
+              <a:buNone/>
+            </a:pPr>
+            <a:r>
+              <a:rPr lang="en" sz="1000"/>
+              <a:t>0x0006</a:t>
+            </a:r>
+            <a:endParaRPr sz="1000"/>
+          </a:p>
+        </p:txBody>
+      </p:sp>
     </p:spTree>
   </p:cSld>
   <p:clrMapOvr>
@@ -16892,7 +17487,7 @@
   <p:cSld>
     <p:spTree>
       <p:nvGrpSpPr>
-        <p:cNvPr id="228" name="Shape 228"/>
+        <p:cNvPr id="235" name="Shape 235"/>
         <p:cNvGrpSpPr/>
         <p:nvPr/>
       </p:nvGrpSpPr>
@@ -16906,7 +17501,7 @@
       </p:grpSpPr>
       <p:sp>
         <p:nvSpPr>
-          <p:cNvPr id="229" name="Google Shape;229;p21"/>
+          <p:cNvPr id="236" name="Google Shape;236;p21"/>
           <p:cNvSpPr txBox="1"/>
           <p:nvPr>
             <p:ph type="title"/>
@@ -16946,7 +17541,7 @@
       </p:sp>
       <p:sp>
         <p:nvSpPr>
-          <p:cNvPr id="230" name="Google Shape;230;p21"/>
+          <p:cNvPr id="237" name="Google Shape;237;p21"/>
           <p:cNvSpPr txBox="1"/>
           <p:nvPr>
             <p:ph idx="1" type="body"/>
@@ -17013,7 +17608,11 @@
             </a:pPr>
             <a:r>
               <a:rPr lang="en"/>
-              <a:t>mem[index] = value</a:t>
+              <a:t>mem</a:t>
+            </a:r>
+            <a:r>
+              <a:rPr lang="en"/>
+              <a:t>[ index ] = value</a:t>
             </a:r>
             <a:endParaRPr/>
           </a:p>
@@ -17064,7 +17663,15 @@
             </a:pPr>
             <a:r>
               <a:rPr lang="en"/>
-              <a:t>array["name"]=value;</a:t>
+              <a:t>array[ </a:t>
+            </a:r>
+            <a:r>
+              <a:rPr i="1" lang="en"/>
+              <a:t>"name" </a:t>
+            </a:r>
+            <a:r>
+              <a:rPr lang="en"/>
+              <a:t>] = value;    mem[ "steven" ] = 32</a:t>
             </a:r>
             <a:endParaRPr/>
           </a:p>
@@ -17202,7 +17809,7 @@
       </p:sp>
       <p:sp>
         <p:nvSpPr>
-          <p:cNvPr id="231" name="Google Shape;231;p21"/>
+          <p:cNvPr id="238" name="Google Shape;238;p21"/>
           <p:cNvSpPr/>
           <p:nvPr/>
         </p:nvSpPr>
@@ -17256,7 +17863,7 @@
       </p:sp>
       <p:sp>
         <p:nvSpPr>
-          <p:cNvPr id="232" name="Google Shape;232;p21"/>
+          <p:cNvPr id="239" name="Google Shape;239;p21"/>
           <p:cNvSpPr/>
           <p:nvPr/>
         </p:nvSpPr>
@@ -17298,7 +17905,7 @@
       </p:sp>
       <p:sp>
         <p:nvSpPr>
-          <p:cNvPr id="233" name="Google Shape;233;p21"/>
+          <p:cNvPr id="240" name="Google Shape;240;p21"/>
           <p:cNvSpPr/>
           <p:nvPr/>
         </p:nvSpPr>
@@ -17348,7 +17955,7 @@
       </p:sp>
       <p:sp>
         <p:nvSpPr>
-          <p:cNvPr id="234" name="Google Shape;234;p21"/>
+          <p:cNvPr id="241" name="Google Shape;241;p21"/>
           <p:cNvSpPr/>
           <p:nvPr/>
         </p:nvSpPr>
@@ -17390,7 +17997,7 @@
       </p:sp>
       <p:sp>
         <p:nvSpPr>
-          <p:cNvPr id="235" name="Google Shape;235;p21"/>
+          <p:cNvPr id="242" name="Google Shape;242;p21"/>
           <p:cNvSpPr/>
           <p:nvPr/>
         </p:nvSpPr>
@@ -17440,7 +18047,7 @@
       </p:sp>
       <p:sp>
         <p:nvSpPr>
-          <p:cNvPr id="236" name="Google Shape;236;p21"/>
+          <p:cNvPr id="243" name="Google Shape;243;p21"/>
           <p:cNvSpPr/>
           <p:nvPr/>
         </p:nvSpPr>
@@ -17486,7 +18093,7 @@
       </p:sp>
       <p:sp>
         <p:nvSpPr>
-          <p:cNvPr id="237" name="Google Shape;237;p21"/>
+          <p:cNvPr id="244" name="Google Shape;244;p21"/>
           <p:cNvSpPr/>
           <p:nvPr/>
         </p:nvSpPr>
@@ -17528,7 +18135,7 @@
       </p:sp>
       <p:sp>
         <p:nvSpPr>
-          <p:cNvPr id="238" name="Google Shape;238;p21"/>
+          <p:cNvPr id="245" name="Google Shape;245;p21"/>
           <p:cNvSpPr/>
           <p:nvPr/>
         </p:nvSpPr>
@@ -17578,7 +18185,7 @@
       </p:sp>
       <p:sp>
         <p:nvSpPr>
-          <p:cNvPr id="239" name="Google Shape;239;p21"/>
+          <p:cNvPr id="246" name="Google Shape;246;p21"/>
           <p:cNvSpPr/>
           <p:nvPr/>
         </p:nvSpPr>
@@ -17620,7 +18227,7 @@
       </p:sp>
       <p:sp>
         <p:nvSpPr>
-          <p:cNvPr id="240" name="Google Shape;240;p21"/>
+          <p:cNvPr id="247" name="Google Shape;247;p21"/>
           <p:cNvSpPr/>
           <p:nvPr/>
         </p:nvSpPr>
@@ -17670,7 +18277,7 @@
       </p:sp>
       <p:sp>
         <p:nvSpPr>
-          <p:cNvPr id="241" name="Google Shape;241;p21"/>
+          <p:cNvPr id="248" name="Google Shape;248;p21"/>
           <p:cNvSpPr/>
           <p:nvPr/>
         </p:nvSpPr>
@@ -17716,7 +18323,7 @@
       </p:sp>
       <p:sp>
         <p:nvSpPr>
-          <p:cNvPr id="242" name="Google Shape;242;p21"/>
+          <p:cNvPr id="249" name="Google Shape;249;p21"/>
           <p:cNvSpPr/>
           <p:nvPr/>
         </p:nvSpPr>
@@ -17758,7 +18365,7 @@
       </p:sp>
       <p:sp>
         <p:nvSpPr>
-          <p:cNvPr id="243" name="Google Shape;243;p21"/>
+          <p:cNvPr id="250" name="Google Shape;250;p21"/>
           <p:cNvSpPr/>
           <p:nvPr/>
         </p:nvSpPr>
@@ -17807,7 +18414,7 @@
       </p:sp>
       <p:sp>
         <p:nvSpPr>
-          <p:cNvPr id="244" name="Google Shape;244;p21"/>
+          <p:cNvPr id="251" name="Google Shape;251;p21"/>
           <p:cNvSpPr/>
           <p:nvPr/>
         </p:nvSpPr>
@@ -17849,7 +18456,7 @@
       </p:sp>
       <p:sp>
         <p:nvSpPr>
-          <p:cNvPr id="245" name="Google Shape;245;p21"/>
+          <p:cNvPr id="252" name="Google Shape;252;p21"/>
           <p:cNvSpPr/>
           <p:nvPr/>
         </p:nvSpPr>
@@ -17887,19 +18494,28 @@
               <a:spcAft>
                 <a:spcPts val="0"/>
               </a:spcAft>
-              <a:buNone/>
-            </a:pPr>
-            <a:r>
-              <a:rPr lang="en"/>
-              <a:t>91</a:t>
-            </a:r>
-            <a:endParaRPr/>
-          </a:p>
-        </p:txBody>
-      </p:sp>
-      <p:sp>
-        <p:nvSpPr>
-          <p:cNvPr id="246" name="Google Shape;246;p21"/>
+              <a:buClr>
+                <a:schemeClr val="dk1"/>
+              </a:buClr>
+              <a:buSzPts val="1100"/>
+              <a:buFont typeface="Arial"/>
+              <a:buNone/>
+            </a:pPr>
+            <a:r>
+              <a:rPr lang="en" sz="1300">
+                <a:solidFill>
+                  <a:schemeClr val="dk1"/>
+                </a:solidFill>
+              </a:rPr>
+              <a:t>32</a:t>
+            </a:r>
+            <a:endParaRPr sz="1300"/>
+          </a:p>
+        </p:txBody>
+      </p:sp>
+      <p:sp>
+        <p:nvSpPr>
+          <p:cNvPr id="253" name="Google Shape;253;p21"/>
           <p:cNvSpPr/>
           <p:nvPr/>
         </p:nvSpPr>
@@ -17945,13 +18561,13 @@
       </p:sp>
       <p:sp>
         <p:nvSpPr>
-          <p:cNvPr id="247" name="Google Shape;247;p21"/>
+          <p:cNvPr id="254" name="Google Shape;254;p21"/>
           <p:cNvSpPr/>
           <p:nvPr/>
         </p:nvSpPr>
         <p:spPr>
           <a:xfrm>
-            <a:off x="7885725" y="2390500"/>
+            <a:off x="7874575" y="2390500"/>
             <a:ext cx="1041300" cy="345600"/>
           </a:xfrm>
           <a:prstGeom prst="rect">
@@ -17987,7 +18603,7 @@
       </p:sp>
       <p:sp>
         <p:nvSpPr>
-          <p:cNvPr id="248" name="Google Shape;248;p21"/>
+          <p:cNvPr id="255" name="Google Shape;255;p21"/>
           <p:cNvSpPr/>
           <p:nvPr/>
         </p:nvSpPr>
@@ -18037,7 +18653,7 @@
       </p:sp>
       <p:sp>
         <p:nvSpPr>
-          <p:cNvPr id="249" name="Google Shape;249;p21"/>
+          <p:cNvPr id="256" name="Google Shape;256;p21"/>
           <p:cNvSpPr/>
           <p:nvPr/>
         </p:nvSpPr>
@@ -18083,7 +18699,7 @@
       </p:sp>
       <p:sp>
         <p:nvSpPr>
-          <p:cNvPr id="250" name="Google Shape;250;p21"/>
+          <p:cNvPr id="257" name="Google Shape;257;p21"/>
           <p:cNvSpPr/>
           <p:nvPr/>
         </p:nvSpPr>
@@ -18125,7 +18741,7 @@
       </p:sp>
       <p:sp>
         <p:nvSpPr>
-          <p:cNvPr id="251" name="Google Shape;251;p21"/>
+          <p:cNvPr id="258" name="Google Shape;258;p21"/>
           <p:cNvSpPr/>
           <p:nvPr/>
         </p:nvSpPr>
@@ -18175,7 +18791,7 @@
       </p:sp>
       <p:sp>
         <p:nvSpPr>
-          <p:cNvPr id="252" name="Google Shape;252;p21"/>
+          <p:cNvPr id="259" name="Google Shape;259;p21"/>
           <p:cNvSpPr/>
           <p:nvPr/>
         </p:nvSpPr>
@@ -18217,7 +18833,7 @@
       </p:sp>
       <p:sp>
         <p:nvSpPr>
-          <p:cNvPr id="253" name="Google Shape;253;p21"/>
+          <p:cNvPr id="260" name="Google Shape;260;p21"/>
           <p:cNvSpPr/>
           <p:nvPr/>
         </p:nvSpPr>
@@ -18267,7 +18883,7 @@
       </p:sp>
       <p:sp>
         <p:nvSpPr>
-          <p:cNvPr id="254" name="Google Shape;254;p21"/>
+          <p:cNvPr id="261" name="Google Shape;261;p21"/>
           <p:cNvSpPr/>
           <p:nvPr/>
         </p:nvSpPr>
@@ -18313,7 +18929,7 @@
       </p:sp>
       <p:sp>
         <p:nvSpPr>
-          <p:cNvPr id="255" name="Google Shape;255;p21"/>
+          <p:cNvPr id="262" name="Google Shape;262;p21"/>
           <p:cNvSpPr/>
           <p:nvPr/>
         </p:nvSpPr>
@@ -18355,7 +18971,7 @@
       </p:sp>
       <p:sp>
         <p:nvSpPr>
-          <p:cNvPr id="256" name="Google Shape;256;p21"/>
+          <p:cNvPr id="263" name="Google Shape;263;p21"/>
           <p:cNvSpPr/>
           <p:nvPr/>
         </p:nvSpPr>
@@ -18405,7 +19021,7 @@
       </p:sp>
       <p:sp>
         <p:nvSpPr>
-          <p:cNvPr id="257" name="Google Shape;257;p21"/>
+          <p:cNvPr id="264" name="Google Shape;264;p21"/>
           <p:cNvSpPr/>
           <p:nvPr/>
         </p:nvSpPr>
@@ -18454,6 +19070,285 @@
 </file>
 
 <file path=ppt/theme/theme1.xml><?xml version="1.0" encoding="utf-8"?>
+<a:theme xmlns:a="http://schemas.openxmlformats.org/drawingml/2006/main" xmlns:r="http://schemas.openxmlformats.org/officeDocument/2006/relationships" name="Simple Light">
+  <a:themeElements>
+    <a:clrScheme name="Simple Light">
+      <a:dk1>
+        <a:srgbClr val="000000"/>
+      </a:dk1>
+      <a:lt1>
+        <a:srgbClr val="FFFFFF"/>
+      </a:lt1>
+      <a:dk2>
+        <a:srgbClr val="595959"/>
+      </a:dk2>
+      <a:lt2>
+        <a:srgbClr val="EEEEEE"/>
+      </a:lt2>
+      <a:accent1>
+        <a:srgbClr val="4285F4"/>
+      </a:accent1>
+      <a:accent2>
+        <a:srgbClr val="212121"/>
+      </a:accent2>
+      <a:accent3>
+        <a:srgbClr val="78909C"/>
+      </a:accent3>
+      <a:accent4>
+        <a:srgbClr val="FFAB40"/>
+      </a:accent4>
+      <a:accent5>
+        <a:srgbClr val="0097A7"/>
+      </a:accent5>
+      <a:accent6>
+        <a:srgbClr val="EEFF41"/>
+      </a:accent6>
+      <a:hlink>
+        <a:srgbClr val="0097A7"/>
+      </a:hlink>
+      <a:folHlink>
+        <a:srgbClr val="0097A7"/>
+      </a:folHlink>
+    </a:clrScheme>
+    <a:fontScheme name="Office">
+      <a:majorFont>
+        <a:latin typeface="Arial"/>
+        <a:ea typeface=""/>
+        <a:cs typeface=""/>
+        <a:font script="Jpan" typeface="ＭＳ Ｐゴシック"/>
+        <a:font script="Hang" typeface="맑은 고딕"/>
+        <a:font script="Hans" typeface="宋体"/>
+        <a:font script="Hant" typeface="新細明體"/>
+        <a:font script="Arab" typeface="Times New Roman"/>
+        <a:font script="Hebr" typeface="Times New Roman"/>
+        <a:font script="Thai" typeface="Angsana New"/>
+        <a:font script="Ethi" typeface="Nyala"/>
+        <a:font script="Beng" typeface="Vrinda"/>
+        <a:font script="Gujr" typeface="Shruti"/>
+        <a:font script="Khmr" typeface="MoolBoran"/>
+        <a:font script="Knda" typeface="Tunga"/>
+        <a:font script="Guru" typeface="Raavi"/>
+        <a:font script="Cans" typeface="Euphemia"/>
+        <a:font script="Cher" typeface="Plantagenet Cherokee"/>
+        <a:font script="Yiii" typeface="Microsoft Yi Baiti"/>
+        <a:font script="Tibt" typeface="Microsoft Himalaya"/>
+        <a:font script="Thaa" typeface="MV Boli"/>
+        <a:font script="Deva" typeface="Mangal"/>
+        <a:font script="Telu" typeface="Gautami"/>
+        <a:font script="Taml" typeface="Latha"/>
+        <a:font script="Syrc" typeface="Estrangelo Edessa"/>
+        <a:font script="Orya" typeface="Kalinga"/>
+        <a:font script="Mlym" typeface="Kartika"/>
+        <a:font script="Laoo" typeface="DokChampa"/>
+        <a:font script="Sinh" typeface="Iskoola Pota"/>
+        <a:font script="Mong" typeface="Mongolian Baiti"/>
+        <a:font script="Viet" typeface="Times New Roman"/>
+        <a:font script="Uigh" typeface="Microsoft Uighur"/>
+        <a:font script="Geor" typeface="Sylfaen"/>
+      </a:majorFont>
+      <a:minorFont>
+        <a:latin typeface="Arial"/>
+        <a:ea typeface=""/>
+        <a:cs typeface=""/>
+        <a:font script="Jpan" typeface="ＭＳ Ｐゴシック"/>
+        <a:font script="Hang" typeface="맑은 고딕"/>
+        <a:font script="Hans" typeface="宋体"/>
+        <a:font script="Hant" typeface="新細明體"/>
+        <a:font script="Arab" typeface="Arial"/>
+        <a:font script="Hebr" typeface="Arial"/>
+        <a:font script="Thai" typeface="Cordia New"/>
+        <a:font script="Ethi" typeface="Nyala"/>
+        <a:font script="Beng" typeface="Vrinda"/>
+        <a:font script="Gujr" typeface="Shruti"/>
+        <a:font script="Khmr" typeface="DaunPenh"/>
+        <a:font script="Knda" typeface="Tunga"/>
+        <a:font script="Guru" typeface="Raavi"/>
+        <a:font script="Cans" typeface="Euphemia"/>
+        <a:font script="Cher" typeface="Plantagenet Cherokee"/>
+        <a:font script="Yiii" typeface="Microsoft Yi Baiti"/>
+        <a:font script="Tibt" typeface="Microsoft Himalaya"/>
+        <a:font script="Thaa" typeface="MV Boli"/>
+        <a:font script="Deva" typeface="Mangal"/>
+        <a:font script="Telu" typeface="Gautami"/>
+        <a:font script="Taml" typeface="Latha"/>
+        <a:font script="Syrc" typeface="Estrangelo Edessa"/>
+        <a:font script="Orya" typeface="Kalinga"/>
+        <a:font script="Mlym" typeface="Kartika"/>
+        <a:font script="Laoo" typeface="DokChampa"/>
+        <a:font script="Sinh" typeface="Iskoola Pota"/>
+        <a:font script="Mong" typeface="Mongolian Baiti"/>
+        <a:font script="Viet" typeface="Arial"/>
+        <a:font script="Uigh" typeface="Microsoft Uighur"/>
+        <a:font script="Geor" typeface="Sylfaen"/>
+      </a:minorFont>
+    </a:fontScheme>
+    <a:fmtScheme name="Office">
+      <a:fillStyleLst>
+        <a:solidFill>
+          <a:schemeClr val="phClr"/>
+        </a:solidFill>
+        <a:gradFill rotWithShape="1">
+          <a:gsLst>
+            <a:gs pos="0">
+              <a:schemeClr val="phClr">
+                <a:tint val="50000"/>
+                <a:satMod val="300000"/>
+              </a:schemeClr>
+            </a:gs>
+            <a:gs pos="35000">
+              <a:schemeClr val="phClr">
+                <a:tint val="37000"/>
+                <a:satMod val="300000"/>
+              </a:schemeClr>
+            </a:gs>
+            <a:gs pos="100000">
+              <a:schemeClr val="phClr">
+                <a:tint val="15000"/>
+                <a:satMod val="350000"/>
+              </a:schemeClr>
+            </a:gs>
+          </a:gsLst>
+          <a:lin ang="16200000" scaled="1"/>
+        </a:gradFill>
+        <a:gradFill rotWithShape="1">
+          <a:gsLst>
+            <a:gs pos="0">
+              <a:schemeClr val="phClr">
+                <a:tint val="100000"/>
+                <a:shade val="100000"/>
+                <a:satMod val="130000"/>
+              </a:schemeClr>
+            </a:gs>
+            <a:gs pos="100000">
+              <a:schemeClr val="phClr">
+                <a:tint val="50000"/>
+                <a:shade val="100000"/>
+                <a:satMod val="350000"/>
+              </a:schemeClr>
+            </a:gs>
+          </a:gsLst>
+          <a:lin ang="16200000" scaled="0"/>
+        </a:gradFill>
+      </a:fillStyleLst>
+      <a:lnStyleLst>
+        <a:ln w="9525" cap="flat" cmpd="sng" algn="ctr">
+          <a:solidFill>
+            <a:schemeClr val="phClr">
+              <a:shade val="95000"/>
+              <a:satMod val="105000"/>
+            </a:schemeClr>
+          </a:solidFill>
+          <a:prstDash val="solid"/>
+        </a:ln>
+        <a:ln w="25400" cap="flat" cmpd="sng" algn="ctr">
+          <a:solidFill>
+            <a:schemeClr val="phClr"/>
+          </a:solidFill>
+          <a:prstDash val="solid"/>
+        </a:ln>
+        <a:ln w="38100" cap="flat" cmpd="sng" algn="ctr">
+          <a:solidFill>
+            <a:schemeClr val="phClr"/>
+          </a:solidFill>
+          <a:prstDash val="solid"/>
+        </a:ln>
+      </a:lnStyleLst>
+      <a:effectStyleLst>
+        <a:effectStyle>
+          <a:effectLst>
+            <a:outerShdw blurRad="40000" dist="20000" dir="5400000" rotWithShape="0">
+              <a:srgbClr val="000000">
+                <a:alpha val="38000"/>
+              </a:srgbClr>
+            </a:outerShdw>
+          </a:effectLst>
+        </a:effectStyle>
+        <a:effectStyle>
+          <a:effectLst>
+            <a:outerShdw blurRad="40000" dist="23000" dir="5400000" rotWithShape="0">
+              <a:srgbClr val="000000">
+                <a:alpha val="35000"/>
+              </a:srgbClr>
+            </a:outerShdw>
+          </a:effectLst>
+        </a:effectStyle>
+        <a:effectStyle>
+          <a:effectLst>
+            <a:outerShdw blurRad="40000" dist="23000" dir="5400000" rotWithShape="0">
+              <a:srgbClr val="000000">
+                <a:alpha val="35000"/>
+              </a:srgbClr>
+            </a:outerShdw>
+          </a:effectLst>
+          <a:scene3d>
+            <a:camera prst="orthographicFront">
+              <a:rot lat="0" lon="0" rev="0"/>
+            </a:camera>
+            <a:lightRig rig="threePt" dir="t">
+              <a:rot lat="0" lon="0" rev="1200000"/>
+            </a:lightRig>
+          </a:scene3d>
+          <a:sp3d>
+            <a:bevelT w="63500" h="25400"/>
+          </a:sp3d>
+        </a:effectStyle>
+      </a:effectStyleLst>
+      <a:bgFillStyleLst>
+        <a:solidFill>
+          <a:schemeClr val="phClr"/>
+        </a:solidFill>
+        <a:gradFill rotWithShape="1">
+          <a:gsLst>
+            <a:gs pos="0">
+              <a:schemeClr val="phClr">
+                <a:tint val="40000"/>
+                <a:satMod val="350000"/>
+              </a:schemeClr>
+            </a:gs>
+            <a:gs pos="40000">
+              <a:schemeClr val="phClr">
+                <a:tint val="45000"/>
+                <a:shade val="99000"/>
+                <a:satMod val="350000"/>
+              </a:schemeClr>
+            </a:gs>
+            <a:gs pos="100000">
+              <a:schemeClr val="phClr">
+                <a:shade val="20000"/>
+                <a:satMod val="255000"/>
+              </a:schemeClr>
+            </a:gs>
+          </a:gsLst>
+          <a:path path="circle">
+            <a:fillToRect l="50000" t="-80000" r="50000" b="180000"/>
+          </a:path>
+        </a:gradFill>
+        <a:gradFill rotWithShape="1">
+          <a:gsLst>
+            <a:gs pos="0">
+              <a:schemeClr val="phClr">
+                <a:tint val="80000"/>
+                <a:satMod val="300000"/>
+              </a:schemeClr>
+            </a:gs>
+            <a:gs pos="100000">
+              <a:schemeClr val="phClr">
+                <a:shade val="30000"/>
+                <a:satMod val="200000"/>
+              </a:schemeClr>
+            </a:gs>
+          </a:gsLst>
+          <a:path path="circle">
+            <a:fillToRect l="50000" t="50000" r="50000" b="50000"/>
+          </a:path>
+        </a:gradFill>
+      </a:bgFillStyleLst>
+    </a:fmtScheme>
+  </a:themeElements>
+</a:theme>
+</file>
+
+<file path=ppt/theme/theme2.xml><?xml version="1.0" encoding="utf-8"?>
 <a:theme xmlns:a="http://schemas.openxmlformats.org/drawingml/2006/main" xmlns:r="http://schemas.openxmlformats.org/officeDocument/2006/relationships">
   <a:themeElements>
     <a:clrScheme name="Default">
@@ -18730,283 +19625,4 @@
     </a:fmtScheme>
   </a:themeElements>
 </a:theme>
-</file>
-
-<file path=ppt/theme/theme2.xml><?xml version="1.0" encoding="utf-8"?>
-<a:theme xmlns:a="http://schemas.openxmlformats.org/drawingml/2006/main" xmlns:r="http://schemas.openxmlformats.org/officeDocument/2006/relationships" name="Simple Light">
-  <a:themeElements>
-    <a:clrScheme name="Simple Light">
-      <a:dk1>
-        <a:srgbClr val="000000"/>
-      </a:dk1>
-      <a:lt1>
-        <a:srgbClr val="FFFFFF"/>
-      </a:lt1>
-      <a:dk2>
-        <a:srgbClr val="595959"/>
-      </a:dk2>
-      <a:lt2>
-        <a:srgbClr val="EEEEEE"/>
-      </a:lt2>
-      <a:accent1>
-        <a:srgbClr val="4285F4"/>
-      </a:accent1>
-      <a:accent2>
-        <a:srgbClr val="212121"/>
-      </a:accent2>
-      <a:accent3>
-        <a:srgbClr val="78909C"/>
-      </a:accent3>
-      <a:accent4>
-        <a:srgbClr val="FFAB40"/>
-      </a:accent4>
-      <a:accent5>
-        <a:srgbClr val="0097A7"/>
-      </a:accent5>
-      <a:accent6>
-        <a:srgbClr val="EEFF41"/>
-      </a:accent6>
-      <a:hlink>
-        <a:srgbClr val="0097A7"/>
-      </a:hlink>
-      <a:folHlink>
-        <a:srgbClr val="0097A7"/>
-      </a:folHlink>
-    </a:clrScheme>
-    <a:fontScheme name="Office">
-      <a:majorFont>
-        <a:latin typeface="Arial"/>
-        <a:ea typeface=""/>
-        <a:cs typeface=""/>
-        <a:font script="Jpan" typeface="ＭＳ Ｐゴシック"/>
-        <a:font script="Hang" typeface="맑은 고딕"/>
-        <a:font script="Hans" typeface="宋体"/>
-        <a:font script="Hant" typeface="新細明體"/>
-        <a:font script="Arab" typeface="Times New Roman"/>
-        <a:font script="Hebr" typeface="Times New Roman"/>
-        <a:font script="Thai" typeface="Angsana New"/>
-        <a:font script="Ethi" typeface="Nyala"/>
-        <a:font script="Beng" typeface="Vrinda"/>
-        <a:font script="Gujr" typeface="Shruti"/>
-        <a:font script="Khmr" typeface="MoolBoran"/>
-        <a:font script="Knda" typeface="Tunga"/>
-        <a:font script="Guru" typeface="Raavi"/>
-        <a:font script="Cans" typeface="Euphemia"/>
-        <a:font script="Cher" typeface="Plantagenet Cherokee"/>
-        <a:font script="Yiii" typeface="Microsoft Yi Baiti"/>
-        <a:font script="Tibt" typeface="Microsoft Himalaya"/>
-        <a:font script="Thaa" typeface="MV Boli"/>
-        <a:font script="Deva" typeface="Mangal"/>
-        <a:font script="Telu" typeface="Gautami"/>
-        <a:font script="Taml" typeface="Latha"/>
-        <a:font script="Syrc" typeface="Estrangelo Edessa"/>
-        <a:font script="Orya" typeface="Kalinga"/>
-        <a:font script="Mlym" typeface="Kartika"/>
-        <a:font script="Laoo" typeface="DokChampa"/>
-        <a:font script="Sinh" typeface="Iskoola Pota"/>
-        <a:font script="Mong" typeface="Mongolian Baiti"/>
-        <a:font script="Viet" typeface="Times New Roman"/>
-        <a:font script="Uigh" typeface="Microsoft Uighur"/>
-        <a:font script="Geor" typeface="Sylfaen"/>
-      </a:majorFont>
-      <a:minorFont>
-        <a:latin typeface="Arial"/>
-        <a:ea typeface=""/>
-        <a:cs typeface=""/>
-        <a:font script="Jpan" typeface="ＭＳ Ｐゴシック"/>
-        <a:font script="Hang" typeface="맑은 고딕"/>
-        <a:font script="Hans" typeface="宋体"/>
-        <a:font script="Hant" typeface="新細明體"/>
-        <a:font script="Arab" typeface="Arial"/>
-        <a:font script="Hebr" typeface="Arial"/>
-        <a:font script="Thai" typeface="Cordia New"/>
-        <a:font script="Ethi" typeface="Nyala"/>
-        <a:font script="Beng" typeface="Vrinda"/>
-        <a:font script="Gujr" typeface="Shruti"/>
-        <a:font script="Khmr" typeface="DaunPenh"/>
-        <a:font script="Knda" typeface="Tunga"/>
-        <a:font script="Guru" typeface="Raavi"/>
-        <a:font script="Cans" typeface="Euphemia"/>
-        <a:font script="Cher" typeface="Plantagenet Cherokee"/>
-        <a:font script="Yiii" typeface="Microsoft Yi Baiti"/>
-        <a:font script="Tibt" typeface="Microsoft Himalaya"/>
-        <a:font script="Thaa" typeface="MV Boli"/>
-        <a:font script="Deva" typeface="Mangal"/>
-        <a:font script="Telu" typeface="Gautami"/>
-        <a:font script="Taml" typeface="Latha"/>
-        <a:font script="Syrc" typeface="Estrangelo Edessa"/>
-        <a:font script="Orya" typeface="Kalinga"/>
-        <a:font script="Mlym" typeface="Kartika"/>
-        <a:font script="Laoo" typeface="DokChampa"/>
-        <a:font script="Sinh" typeface="Iskoola Pota"/>
-        <a:font script="Mong" typeface="Mongolian Baiti"/>
-        <a:font script="Viet" typeface="Arial"/>
-        <a:font script="Uigh" typeface="Microsoft Uighur"/>
-        <a:font script="Geor" typeface="Sylfaen"/>
-      </a:minorFont>
-    </a:fontScheme>
-    <a:fmtScheme name="Office">
-      <a:fillStyleLst>
-        <a:solidFill>
-          <a:schemeClr val="phClr"/>
-        </a:solidFill>
-        <a:gradFill rotWithShape="1">
-          <a:gsLst>
-            <a:gs pos="0">
-              <a:schemeClr val="phClr">
-                <a:tint val="50000"/>
-                <a:satMod val="300000"/>
-              </a:schemeClr>
-            </a:gs>
-            <a:gs pos="35000">
-              <a:schemeClr val="phClr">
-                <a:tint val="37000"/>
-                <a:satMod val="300000"/>
-              </a:schemeClr>
-            </a:gs>
-            <a:gs pos="100000">
-              <a:schemeClr val="phClr">
-                <a:tint val="15000"/>
-                <a:satMod val="350000"/>
-              </a:schemeClr>
-            </a:gs>
-          </a:gsLst>
-          <a:lin ang="16200000" scaled="1"/>
-        </a:gradFill>
-        <a:gradFill rotWithShape="1">
-          <a:gsLst>
-            <a:gs pos="0">
-              <a:schemeClr val="phClr">
-                <a:tint val="100000"/>
-                <a:shade val="100000"/>
-                <a:satMod val="130000"/>
-              </a:schemeClr>
-            </a:gs>
-            <a:gs pos="100000">
-              <a:schemeClr val="phClr">
-                <a:tint val="50000"/>
-                <a:shade val="100000"/>
-                <a:satMod val="350000"/>
-              </a:schemeClr>
-            </a:gs>
-          </a:gsLst>
-          <a:lin ang="16200000" scaled="0"/>
-        </a:gradFill>
-      </a:fillStyleLst>
-      <a:lnStyleLst>
-        <a:ln w="9525" cap="flat" cmpd="sng" algn="ctr">
-          <a:solidFill>
-            <a:schemeClr val="phClr">
-              <a:shade val="95000"/>
-              <a:satMod val="105000"/>
-            </a:schemeClr>
-          </a:solidFill>
-          <a:prstDash val="solid"/>
-        </a:ln>
-        <a:ln w="25400" cap="flat" cmpd="sng" algn="ctr">
-          <a:solidFill>
-            <a:schemeClr val="phClr"/>
-          </a:solidFill>
-          <a:prstDash val="solid"/>
-        </a:ln>
-        <a:ln w="38100" cap="flat" cmpd="sng" algn="ctr">
-          <a:solidFill>
-            <a:schemeClr val="phClr"/>
-          </a:solidFill>
-          <a:prstDash val="solid"/>
-        </a:ln>
-      </a:lnStyleLst>
-      <a:effectStyleLst>
-        <a:effectStyle>
-          <a:effectLst>
-            <a:outerShdw blurRad="40000" dist="20000" dir="5400000" rotWithShape="0">
-              <a:srgbClr val="000000">
-                <a:alpha val="38000"/>
-              </a:srgbClr>
-            </a:outerShdw>
-          </a:effectLst>
-        </a:effectStyle>
-        <a:effectStyle>
-          <a:effectLst>
-            <a:outerShdw blurRad="40000" dist="23000" dir="5400000" rotWithShape="0">
-              <a:srgbClr val="000000">
-                <a:alpha val="35000"/>
-              </a:srgbClr>
-            </a:outerShdw>
-          </a:effectLst>
-        </a:effectStyle>
-        <a:effectStyle>
-          <a:effectLst>
-            <a:outerShdw blurRad="40000" dist="23000" dir="5400000" rotWithShape="0">
-              <a:srgbClr val="000000">
-                <a:alpha val="35000"/>
-              </a:srgbClr>
-            </a:outerShdw>
-          </a:effectLst>
-          <a:scene3d>
-            <a:camera prst="orthographicFront">
-              <a:rot lat="0" lon="0" rev="0"/>
-            </a:camera>
-            <a:lightRig rig="threePt" dir="t">
-              <a:rot lat="0" lon="0" rev="1200000"/>
-            </a:lightRig>
-          </a:scene3d>
-          <a:sp3d>
-            <a:bevelT w="63500" h="25400"/>
-          </a:sp3d>
-        </a:effectStyle>
-      </a:effectStyleLst>
-      <a:bgFillStyleLst>
-        <a:solidFill>
-          <a:schemeClr val="phClr"/>
-        </a:solidFill>
-        <a:gradFill rotWithShape="1">
-          <a:gsLst>
-            <a:gs pos="0">
-              <a:schemeClr val="phClr">
-                <a:tint val="40000"/>
-                <a:satMod val="350000"/>
-              </a:schemeClr>
-            </a:gs>
-            <a:gs pos="40000">
-              <a:schemeClr val="phClr">
-                <a:tint val="45000"/>
-                <a:shade val="99000"/>
-                <a:satMod val="350000"/>
-              </a:schemeClr>
-            </a:gs>
-            <a:gs pos="100000">
-              <a:schemeClr val="phClr">
-                <a:shade val="20000"/>
-                <a:satMod val="255000"/>
-              </a:schemeClr>
-            </a:gs>
-          </a:gsLst>
-          <a:path path="circle">
-            <a:fillToRect l="50000" t="-80000" r="50000" b="180000"/>
-          </a:path>
-        </a:gradFill>
-        <a:gradFill rotWithShape="1">
-          <a:gsLst>
-            <a:gs pos="0">
-              <a:schemeClr val="phClr">
-                <a:tint val="80000"/>
-                <a:satMod val="300000"/>
-              </a:schemeClr>
-            </a:gs>
-            <a:gs pos="100000">
-              <a:schemeClr val="phClr">
-                <a:shade val="30000"/>
-                <a:satMod val="200000"/>
-              </a:schemeClr>
-            </a:gs>
-          </a:gsLst>
-          <a:path path="circle">
-            <a:fillToRect l="50000" t="50000" r="50000" b="50000"/>
-          </a:path>
-        </a:gradFill>
-      </a:bgFillStyleLst>
-    </a:fmtScheme>
-  </a:themeElements>
-</a:theme>
 </file>